--- a/Figures/Figure_4/Figure_4.pptx
+++ b/Figures/Figure_4/Figure_4.pptx
@@ -3559,36 +3559,6 @@
           </a:p>
         </p:txBody>
       </p:sp>
-      <p:pic>
-        <p:nvPicPr>
-          <p:cNvPr id="6" name="Picture 5" descr="Chart, line chart&#10;&#10;Description automatically generated">
-            <a:extLst>
-              <a:ext uri="{FF2B5EF4-FFF2-40B4-BE49-F238E27FC236}">
-                <a16:creationId xmlns:a16="http://schemas.microsoft.com/office/drawing/2014/main" id="{277E055D-3005-8965-DBFD-AD4A124A3923}"/>
-              </a:ext>
-            </a:extLst>
-          </p:cNvPr>
-          <p:cNvPicPr>
-            <a:picLocks noChangeAspect="1"/>
-          </p:cNvPicPr>
-          <p:nvPr/>
-        </p:nvPicPr>
-        <p:blipFill>
-          <a:blip r:embed="rId5"/>
-          <a:stretch>
-            <a:fillRect/>
-          </a:stretch>
-        </p:blipFill>
-        <p:spPr>
-          <a:xfrm>
-            <a:off x="1225016" y="21915237"/>
-            <a:ext cx="33719612" cy="8429903"/>
-          </a:xfrm>
-          <a:prstGeom prst="rect">
-            <a:avLst/>
-          </a:prstGeom>
-        </p:spPr>
-      </p:pic>
       <p:sp>
         <p:nvSpPr>
           <p:cNvPr id="7" name="TextBox 6">
@@ -3798,6 +3768,36 @@
           </a:p>
         </p:txBody>
       </p:sp>
+      <p:pic>
+        <p:nvPicPr>
+          <p:cNvPr id="11" name="Picture 10" descr="Chart, line chart&#10;&#10;Description automatically generated">
+            <a:extLst>
+              <a:ext uri="{FF2B5EF4-FFF2-40B4-BE49-F238E27FC236}">
+                <a16:creationId xmlns:a16="http://schemas.microsoft.com/office/drawing/2014/main" id="{15BD559B-D108-D7F0-7A86-EED5E46A8FBC}"/>
+              </a:ext>
+            </a:extLst>
+          </p:cNvPr>
+          <p:cNvPicPr>
+            <a:picLocks noChangeAspect="1"/>
+          </p:cNvPicPr>
+          <p:nvPr/>
+        </p:nvPicPr>
+        <p:blipFill>
+          <a:blip r:embed="rId5"/>
+          <a:stretch>
+            <a:fillRect/>
+          </a:stretch>
+        </p:blipFill>
+        <p:spPr>
+          <a:xfrm>
+            <a:off x="1506727" y="21915236"/>
+            <a:ext cx="33911932" cy="8477983"/>
+          </a:xfrm>
+          <a:prstGeom prst="rect">
+            <a:avLst/>
+          </a:prstGeom>
+        </p:spPr>
+      </p:pic>
     </p:spTree>
     <p:extLst>
       <p:ext uri="{BB962C8B-B14F-4D97-AF65-F5344CB8AC3E}">

--- a/Figures/Figure_4/Figure_4.pptx
+++ b/Figures/Figure_4/Figure_4.pptx
@@ -197,7 +197,7 @@
           <a:p>
             <a:fld id="{ABD72DE5-B6EE-E147-A976-7400C289695F}" type="datetimeFigureOut">
               <a:rPr lang="en-US" smtClean="0"/>
-              <a:t>5/4/23</a:t>
+              <a:t>5/7/23</a:t>
             </a:fld>
             <a:endParaRPr lang="en-US"/>
           </a:p>
@@ -684,7 +684,7 @@
           <a:p>
             <a:fld id="{5829EFD3-DAAF-1A4D-98F0-A61E9156FD54}" type="datetimeFigureOut">
               <a:rPr lang="en-US" smtClean="0"/>
-              <a:t>5/4/23</a:t>
+              <a:t>5/7/23</a:t>
             </a:fld>
             <a:endParaRPr lang="en-US"/>
           </a:p>
@@ -854,7 +854,7 @@
           <a:p>
             <a:fld id="{5829EFD3-DAAF-1A4D-98F0-A61E9156FD54}" type="datetimeFigureOut">
               <a:rPr lang="en-US" smtClean="0"/>
-              <a:t>5/4/23</a:t>
+              <a:t>5/7/23</a:t>
             </a:fld>
             <a:endParaRPr lang="en-US"/>
           </a:p>
@@ -1034,7 +1034,7 @@
           <a:p>
             <a:fld id="{5829EFD3-DAAF-1A4D-98F0-A61E9156FD54}" type="datetimeFigureOut">
               <a:rPr lang="en-US" smtClean="0"/>
-              <a:t>5/4/23</a:t>
+              <a:t>5/7/23</a:t>
             </a:fld>
             <a:endParaRPr lang="en-US"/>
           </a:p>
@@ -1204,7 +1204,7 @@
           <a:p>
             <a:fld id="{5829EFD3-DAAF-1A4D-98F0-A61E9156FD54}" type="datetimeFigureOut">
               <a:rPr lang="en-US" smtClean="0"/>
-              <a:t>5/4/23</a:t>
+              <a:t>5/7/23</a:t>
             </a:fld>
             <a:endParaRPr lang="en-US"/>
           </a:p>
@@ -1448,7 +1448,7 @@
           <a:p>
             <a:fld id="{5829EFD3-DAAF-1A4D-98F0-A61E9156FD54}" type="datetimeFigureOut">
               <a:rPr lang="en-US" smtClean="0"/>
-              <a:t>5/4/23</a:t>
+              <a:t>5/7/23</a:t>
             </a:fld>
             <a:endParaRPr lang="en-US"/>
           </a:p>
@@ -1680,7 +1680,7 @@
           <a:p>
             <a:fld id="{5829EFD3-DAAF-1A4D-98F0-A61E9156FD54}" type="datetimeFigureOut">
               <a:rPr lang="en-US" smtClean="0"/>
-              <a:t>5/4/23</a:t>
+              <a:t>5/7/23</a:t>
             </a:fld>
             <a:endParaRPr lang="en-US"/>
           </a:p>
@@ -2047,7 +2047,7 @@
           <a:p>
             <a:fld id="{5829EFD3-DAAF-1A4D-98F0-A61E9156FD54}" type="datetimeFigureOut">
               <a:rPr lang="en-US" smtClean="0"/>
-              <a:t>5/4/23</a:t>
+              <a:t>5/7/23</a:t>
             </a:fld>
             <a:endParaRPr lang="en-US"/>
           </a:p>
@@ -2165,7 +2165,7 @@
           <a:p>
             <a:fld id="{5829EFD3-DAAF-1A4D-98F0-A61E9156FD54}" type="datetimeFigureOut">
               <a:rPr lang="en-US" smtClean="0"/>
-              <a:t>5/4/23</a:t>
+              <a:t>5/7/23</a:t>
             </a:fld>
             <a:endParaRPr lang="en-US"/>
           </a:p>
@@ -2260,7 +2260,7 @@
           <a:p>
             <a:fld id="{5829EFD3-DAAF-1A4D-98F0-A61E9156FD54}" type="datetimeFigureOut">
               <a:rPr lang="en-US" smtClean="0"/>
-              <a:t>5/4/23</a:t>
+              <a:t>5/7/23</a:t>
             </a:fld>
             <a:endParaRPr lang="en-US"/>
           </a:p>
@@ -2537,7 +2537,7 @@
           <a:p>
             <a:fld id="{5829EFD3-DAAF-1A4D-98F0-A61E9156FD54}" type="datetimeFigureOut">
               <a:rPr lang="en-US" smtClean="0"/>
-              <a:t>5/4/23</a:t>
+              <a:t>5/7/23</a:t>
             </a:fld>
             <a:endParaRPr lang="en-US"/>
           </a:p>
@@ -2794,7 +2794,7 @@
           <a:p>
             <a:fld id="{5829EFD3-DAAF-1A4D-98F0-A61E9156FD54}" type="datetimeFigureOut">
               <a:rPr lang="en-US" smtClean="0"/>
-              <a:t>5/4/23</a:t>
+              <a:t>5/7/23</a:t>
             </a:fld>
             <a:endParaRPr lang="en-US"/>
           </a:p>
@@ -3007,7 +3007,7 @@
           <a:p>
             <a:fld id="{5829EFD3-DAAF-1A4D-98F0-A61E9156FD54}" type="datetimeFigureOut">
               <a:rPr lang="en-US" smtClean="0"/>
-              <a:t>5/4/23</a:t>
+              <a:t>5/7/23</a:t>
             </a:fld>
             <a:endParaRPr lang="en-US"/>
           </a:p>
@@ -3414,10 +3414,10 @@
       </p:grpSpPr>
       <p:pic>
         <p:nvPicPr>
-          <p:cNvPr id="5" name="Picture 4" descr="Graphical user interface, chart&#10;&#10;Description automatically generated">
+          <p:cNvPr id="14" name="Picture 13" descr="A picture containing text, diagram, line, plot&#10;&#10;Description automatically generated">
             <a:extLst>
               <a:ext uri="{FF2B5EF4-FFF2-40B4-BE49-F238E27FC236}">
-                <a16:creationId xmlns:a16="http://schemas.microsoft.com/office/drawing/2014/main" id="{34F806C8-4656-55FE-4958-8D06CBDFC947}"/>
+                <a16:creationId xmlns:a16="http://schemas.microsoft.com/office/drawing/2014/main" id="{2E33F60A-9988-F3C7-AB37-8ABC19065D4C}"/>
               </a:ext>
             </a:extLst>
           </p:cNvPr>
@@ -3434,38 +3434,8 @@
         </p:blipFill>
         <p:spPr>
           <a:xfrm>
-            <a:off x="2120036" y="10880195"/>
-            <a:ext cx="32932796" cy="11672384"/>
-          </a:xfrm>
-          <a:prstGeom prst="rect">
-            <a:avLst/>
-          </a:prstGeom>
-        </p:spPr>
-      </p:pic>
-      <p:pic>
-        <p:nvPicPr>
-          <p:cNvPr id="12" name="Picture 11" descr="Chart, scatter chart&#10;&#10;Description automatically generated">
-            <a:extLst>
-              <a:ext uri="{FF2B5EF4-FFF2-40B4-BE49-F238E27FC236}">
-                <a16:creationId xmlns:a16="http://schemas.microsoft.com/office/drawing/2014/main" id="{01131FF8-44F3-4761-46FA-28E26C0272E1}"/>
-              </a:ext>
-            </a:extLst>
-          </p:cNvPr>
-          <p:cNvPicPr>
-            <a:picLocks noChangeAspect="1"/>
-          </p:cNvPicPr>
-          <p:nvPr/>
-        </p:nvPicPr>
-        <p:blipFill>
-          <a:blip r:embed="rId4"/>
-          <a:stretch>
-            <a:fillRect/>
-          </a:stretch>
-        </p:blipFill>
-        <p:spPr>
-          <a:xfrm>
-            <a:off x="2120036" y="579185"/>
-            <a:ext cx="32932796" cy="11672384"/>
+            <a:off x="1887470" y="10939114"/>
+            <a:ext cx="33165361" cy="11754811"/>
           </a:xfrm>
           <a:prstGeom prst="rect">
             <a:avLst/>
@@ -3596,41 +3566,6 @@
       </p:sp>
       <p:sp>
         <p:nvSpPr>
-          <p:cNvPr id="3" name="TextBox 2">
-            <a:extLst>
-              <a:ext uri="{FF2B5EF4-FFF2-40B4-BE49-F238E27FC236}">
-                <a16:creationId xmlns:a16="http://schemas.microsoft.com/office/drawing/2014/main" id="{7110B946-7989-0C46-47BC-FB4658E8CA40}"/>
-              </a:ext>
-            </a:extLst>
-          </p:cNvPr>
-          <p:cNvSpPr txBox="1"/>
-          <p:nvPr/>
-        </p:nvSpPr>
-        <p:spPr>
-          <a:xfrm>
-            <a:off x="1796679" y="861001"/>
-            <a:ext cx="1226618" cy="1200329"/>
-          </a:xfrm>
-          <a:prstGeom prst="rect">
-            <a:avLst/>
-          </a:prstGeom>
-          <a:noFill/>
-        </p:spPr>
-        <p:txBody>
-          <a:bodyPr wrap="none" rtlCol="0">
-            <a:spAutoFit/>
-          </a:bodyPr>
-          <a:lstStyle/>
-          <a:p>
-            <a:r>
-              <a:rPr lang="en-US" sz="7200" b="1" dirty="0"/>
-              <a:t>(1)</a:t>
-            </a:r>
-          </a:p>
-        </p:txBody>
-      </p:sp>
-      <p:sp>
-        <p:nvSpPr>
           <p:cNvPr id="4" name="TextBox 3">
             <a:extLst>
               <a:ext uri="{FF2B5EF4-FFF2-40B4-BE49-F238E27FC236}">
@@ -3783,6 +3718,36 @@
           <p:nvPr/>
         </p:nvPicPr>
         <p:blipFill>
+          <a:blip r:embed="rId4"/>
+          <a:stretch>
+            <a:fillRect/>
+          </a:stretch>
+        </p:blipFill>
+        <p:spPr>
+          <a:xfrm>
+            <a:off x="1538258" y="21915236"/>
+            <a:ext cx="34048848" cy="8512212"/>
+          </a:xfrm>
+          <a:prstGeom prst="rect">
+            <a:avLst/>
+          </a:prstGeom>
+        </p:spPr>
+      </p:pic>
+      <p:pic>
+        <p:nvPicPr>
+          <p:cNvPr id="16" name="Picture 15" descr="A picture containing diagram, plot, line, screenshot&#10;&#10;Description automatically generated">
+            <a:extLst>
+              <a:ext uri="{FF2B5EF4-FFF2-40B4-BE49-F238E27FC236}">
+                <a16:creationId xmlns:a16="http://schemas.microsoft.com/office/drawing/2014/main" id="{F9A78454-00EF-D74F-3913-32ABABE94E32}"/>
+              </a:ext>
+            </a:extLst>
+          </p:cNvPr>
+          <p:cNvPicPr>
+            <a:picLocks noChangeAspect="1"/>
+          </p:cNvPicPr>
+          <p:nvPr/>
+        </p:nvPicPr>
+        <p:blipFill>
           <a:blip r:embed="rId5"/>
           <a:stretch>
             <a:fillRect/>
@@ -3790,14 +3755,49 @@
         </p:blipFill>
         <p:spPr>
           <a:xfrm>
-            <a:off x="1506727" y="21915236"/>
-            <a:ext cx="33911932" cy="8477983"/>
+            <a:off x="1887471" y="578336"/>
+            <a:ext cx="33165361" cy="11754811"/>
           </a:xfrm>
           <a:prstGeom prst="rect">
             <a:avLst/>
           </a:prstGeom>
         </p:spPr>
       </p:pic>
+      <p:sp>
+        <p:nvSpPr>
+          <p:cNvPr id="17" name="TextBox 16">
+            <a:extLst>
+              <a:ext uri="{FF2B5EF4-FFF2-40B4-BE49-F238E27FC236}">
+                <a16:creationId xmlns:a16="http://schemas.microsoft.com/office/drawing/2014/main" id="{4588B505-2FF7-713B-8F94-BB3227A01FF8}"/>
+              </a:ext>
+            </a:extLst>
+          </p:cNvPr>
+          <p:cNvSpPr txBox="1"/>
+          <p:nvPr/>
+        </p:nvSpPr>
+        <p:spPr>
+          <a:xfrm>
+            <a:off x="1796679" y="861001"/>
+            <a:ext cx="1226618" cy="1200329"/>
+          </a:xfrm>
+          <a:prstGeom prst="rect">
+            <a:avLst/>
+          </a:prstGeom>
+          <a:noFill/>
+        </p:spPr>
+        <p:txBody>
+          <a:bodyPr wrap="none" rtlCol="0">
+            <a:spAutoFit/>
+          </a:bodyPr>
+          <a:lstStyle/>
+          <a:p>
+            <a:r>
+              <a:rPr lang="en-US" sz="7200" b="1" dirty="0"/>
+              <a:t>(1)</a:t>
+            </a:r>
+          </a:p>
+        </p:txBody>
+      </p:sp>
     </p:spTree>
     <p:extLst>
       <p:ext uri="{BB962C8B-B14F-4D97-AF65-F5344CB8AC3E}">

--- a/Figures/Figure_4/Figure_4.pptx
+++ b/Figures/Figure_4/Figure_4.pptx
@@ -5,10 +5,11 @@
     <p:sldMasterId id="2147483684" r:id="rId1"/>
   </p:sldMasterIdLst>
   <p:notesMasterIdLst>
-    <p:notesMasterId r:id="rId3"/>
+    <p:notesMasterId r:id="rId4"/>
   </p:notesMasterIdLst>
   <p:sldIdLst>
     <p:sldId id="256" r:id="rId2"/>
+    <p:sldId id="257" r:id="rId3"/>
   </p:sldIdLst>
   <p:sldSz cx="50399950" cy="35999738"/>
   <p:notesSz cx="6858000" cy="9144000"/>
@@ -197,7 +198,7 @@
           <a:p>
             <a:fld id="{ABD72DE5-B6EE-E147-A976-7400C289695F}" type="datetimeFigureOut">
               <a:rPr lang="en-US" smtClean="0"/>
-              <a:t>5/7/23</a:t>
+              <a:t>5/4/23</a:t>
             </a:fld>
             <a:endParaRPr lang="en-US"/>
           </a:p>
@@ -553,6 +554,95 @@
 </p:notes>
 </file>
 
+<file path=ppt/notesSlides/notesSlide2.xml><?xml version="1.0" encoding="utf-8"?>
+<p:notes xmlns:a="http://schemas.openxmlformats.org/drawingml/2006/main" xmlns:r="http://schemas.openxmlformats.org/officeDocument/2006/relationships" xmlns:p="http://schemas.openxmlformats.org/presentationml/2006/main">
+  <p:cSld>
+    <p:spTree>
+      <p:nvGrpSpPr>
+        <p:cNvPr id="1" name=""/>
+        <p:cNvGrpSpPr/>
+        <p:nvPr/>
+      </p:nvGrpSpPr>
+      <p:grpSpPr>
+        <a:xfrm>
+          <a:off x="0" y="0"/>
+          <a:ext cx="0" cy="0"/>
+          <a:chOff x="0" y="0"/>
+          <a:chExt cx="0" cy="0"/>
+        </a:xfrm>
+      </p:grpSpPr>
+      <p:sp>
+        <p:nvSpPr>
+          <p:cNvPr id="2" name="Slide Image Placeholder 1"/>
+          <p:cNvSpPr>
+            <a:spLocks noGrp="1" noRot="1" noChangeAspect="1"/>
+          </p:cNvSpPr>
+          <p:nvPr>
+            <p:ph type="sldImg"/>
+          </p:nvPr>
+        </p:nvSpPr>
+        <p:spPr>
+          <a:xfrm>
+            <a:off x="1270000" y="1143000"/>
+            <a:ext cx="4318000" cy="3086100"/>
+          </a:xfrm>
+        </p:spPr>
+      </p:sp>
+      <p:sp>
+        <p:nvSpPr>
+          <p:cNvPr id="3" name="Notes Placeholder 2"/>
+          <p:cNvSpPr>
+            <a:spLocks noGrp="1"/>
+          </p:cNvSpPr>
+          <p:nvPr>
+            <p:ph type="body" idx="1"/>
+          </p:nvPr>
+        </p:nvSpPr>
+        <p:spPr/>
+        <p:txBody>
+          <a:bodyPr/>
+          <a:lstStyle/>
+          <a:p>
+            <a:endParaRPr lang="en-US" dirty="0"/>
+          </a:p>
+        </p:txBody>
+      </p:sp>
+      <p:sp>
+        <p:nvSpPr>
+          <p:cNvPr id="4" name="Slide Number Placeholder 3"/>
+          <p:cNvSpPr>
+            <a:spLocks noGrp="1"/>
+          </p:cNvSpPr>
+          <p:nvPr>
+            <p:ph type="sldNum" sz="quarter" idx="5"/>
+          </p:nvPr>
+        </p:nvSpPr>
+        <p:spPr/>
+        <p:txBody>
+          <a:bodyPr/>
+          <a:lstStyle/>
+          <a:p>
+            <a:fld id="{95F117BC-AFF7-1F40-A198-4736DB871B4B}" type="slidenum">
+              <a:rPr lang="en-US" smtClean="0"/>
+              <a:t>2</a:t>
+            </a:fld>
+            <a:endParaRPr lang="en-US"/>
+          </a:p>
+        </p:txBody>
+      </p:sp>
+    </p:spTree>
+    <p:extLst>
+      <p:ext uri="{BB962C8B-B14F-4D97-AF65-F5344CB8AC3E}">
+        <p14:creationId xmlns:p14="http://schemas.microsoft.com/office/powerpoint/2010/main" val="3079091395"/>
+      </p:ext>
+    </p:extLst>
+  </p:cSld>
+  <p:clrMapOvr>
+    <a:masterClrMapping/>
+  </p:clrMapOvr>
+</p:notes>
+</file>
+
 <file path=ppt/slideLayouts/slideLayout1.xml><?xml version="1.0" encoding="utf-8"?>
 <p:sldLayout xmlns:a="http://schemas.openxmlformats.org/drawingml/2006/main" xmlns:r="http://schemas.openxmlformats.org/officeDocument/2006/relationships" xmlns:p="http://schemas.openxmlformats.org/presentationml/2006/main" type="title" preserve="1">
   <p:cSld name="Title Slide">
@@ -684,7 +774,7 @@
           <a:p>
             <a:fld id="{5829EFD3-DAAF-1A4D-98F0-A61E9156FD54}" type="datetimeFigureOut">
               <a:rPr lang="en-US" smtClean="0"/>
-              <a:t>5/7/23</a:t>
+              <a:t>5/4/23</a:t>
             </a:fld>
             <a:endParaRPr lang="en-US"/>
           </a:p>
@@ -854,7 +944,7 @@
           <a:p>
             <a:fld id="{5829EFD3-DAAF-1A4D-98F0-A61E9156FD54}" type="datetimeFigureOut">
               <a:rPr lang="en-US" smtClean="0"/>
-              <a:t>5/7/23</a:t>
+              <a:t>5/4/23</a:t>
             </a:fld>
             <a:endParaRPr lang="en-US"/>
           </a:p>
@@ -1034,7 +1124,7 @@
           <a:p>
             <a:fld id="{5829EFD3-DAAF-1A4D-98F0-A61E9156FD54}" type="datetimeFigureOut">
               <a:rPr lang="en-US" smtClean="0"/>
-              <a:t>5/7/23</a:t>
+              <a:t>5/4/23</a:t>
             </a:fld>
             <a:endParaRPr lang="en-US"/>
           </a:p>
@@ -1204,7 +1294,7 @@
           <a:p>
             <a:fld id="{5829EFD3-DAAF-1A4D-98F0-A61E9156FD54}" type="datetimeFigureOut">
               <a:rPr lang="en-US" smtClean="0"/>
-              <a:t>5/7/23</a:t>
+              <a:t>5/4/23</a:t>
             </a:fld>
             <a:endParaRPr lang="en-US"/>
           </a:p>
@@ -1448,7 +1538,7 @@
           <a:p>
             <a:fld id="{5829EFD3-DAAF-1A4D-98F0-A61E9156FD54}" type="datetimeFigureOut">
               <a:rPr lang="en-US" smtClean="0"/>
-              <a:t>5/7/23</a:t>
+              <a:t>5/4/23</a:t>
             </a:fld>
             <a:endParaRPr lang="en-US"/>
           </a:p>
@@ -1680,7 +1770,7 @@
           <a:p>
             <a:fld id="{5829EFD3-DAAF-1A4D-98F0-A61E9156FD54}" type="datetimeFigureOut">
               <a:rPr lang="en-US" smtClean="0"/>
-              <a:t>5/7/23</a:t>
+              <a:t>5/4/23</a:t>
             </a:fld>
             <a:endParaRPr lang="en-US"/>
           </a:p>
@@ -2047,7 +2137,7 @@
           <a:p>
             <a:fld id="{5829EFD3-DAAF-1A4D-98F0-A61E9156FD54}" type="datetimeFigureOut">
               <a:rPr lang="en-US" smtClean="0"/>
-              <a:t>5/7/23</a:t>
+              <a:t>5/4/23</a:t>
             </a:fld>
             <a:endParaRPr lang="en-US"/>
           </a:p>
@@ -2165,7 +2255,7 @@
           <a:p>
             <a:fld id="{5829EFD3-DAAF-1A4D-98F0-A61E9156FD54}" type="datetimeFigureOut">
               <a:rPr lang="en-US" smtClean="0"/>
-              <a:t>5/7/23</a:t>
+              <a:t>5/4/23</a:t>
             </a:fld>
             <a:endParaRPr lang="en-US"/>
           </a:p>
@@ -2260,7 +2350,7 @@
           <a:p>
             <a:fld id="{5829EFD3-DAAF-1A4D-98F0-A61E9156FD54}" type="datetimeFigureOut">
               <a:rPr lang="en-US" smtClean="0"/>
-              <a:t>5/7/23</a:t>
+              <a:t>5/4/23</a:t>
             </a:fld>
             <a:endParaRPr lang="en-US"/>
           </a:p>
@@ -2537,7 +2627,7 @@
           <a:p>
             <a:fld id="{5829EFD3-DAAF-1A4D-98F0-A61E9156FD54}" type="datetimeFigureOut">
               <a:rPr lang="en-US" smtClean="0"/>
-              <a:t>5/7/23</a:t>
+              <a:t>5/4/23</a:t>
             </a:fld>
             <a:endParaRPr lang="en-US"/>
           </a:p>
@@ -2794,7 +2884,7 @@
           <a:p>
             <a:fld id="{5829EFD3-DAAF-1A4D-98F0-A61E9156FD54}" type="datetimeFigureOut">
               <a:rPr lang="en-US" smtClean="0"/>
-              <a:t>5/7/23</a:t>
+              <a:t>5/4/23</a:t>
             </a:fld>
             <a:endParaRPr lang="en-US"/>
           </a:p>
@@ -3007,7 +3097,7 @@
           <a:p>
             <a:fld id="{5829EFD3-DAAF-1A4D-98F0-A61E9156FD54}" type="datetimeFigureOut">
               <a:rPr lang="en-US" smtClean="0"/>
-              <a:t>5/7/23</a:t>
+              <a:t>5/4/23</a:t>
             </a:fld>
             <a:endParaRPr lang="en-US"/>
           </a:p>
@@ -3414,10 +3504,10 @@
       </p:grpSpPr>
       <p:pic>
         <p:nvPicPr>
-          <p:cNvPr id="14" name="Picture 13" descr="A picture containing text, diagram, line, plot&#10;&#10;Description automatically generated">
+          <p:cNvPr id="23" name="Picture 22" descr="Table&#10;&#10;Description automatically generated with medium confidence">
             <a:extLst>
               <a:ext uri="{FF2B5EF4-FFF2-40B4-BE49-F238E27FC236}">
-                <a16:creationId xmlns:a16="http://schemas.microsoft.com/office/drawing/2014/main" id="{2E33F60A-9988-F3C7-AB37-8ABC19065D4C}"/>
+                <a16:creationId xmlns:a16="http://schemas.microsoft.com/office/drawing/2014/main" id="{A529161A-E5F0-FC41-B044-075C6677891F}"/>
               </a:ext>
             </a:extLst>
           </p:cNvPr>
@@ -3434,8 +3524,98 @@
         </p:blipFill>
         <p:spPr>
           <a:xfrm>
-            <a:off x="1887470" y="10939114"/>
-            <a:ext cx="33165361" cy="11754811"/>
+            <a:off x="23744772" y="2249582"/>
+            <a:ext cx="16445286" cy="10963524"/>
+          </a:xfrm>
+          <a:prstGeom prst="rect">
+            <a:avLst/>
+          </a:prstGeom>
+        </p:spPr>
+      </p:pic>
+      <p:pic>
+        <p:nvPicPr>
+          <p:cNvPr id="25" name="Picture 24" descr="Chart&#10;&#10;Description automatically generated">
+            <a:extLst>
+              <a:ext uri="{FF2B5EF4-FFF2-40B4-BE49-F238E27FC236}">
+                <a16:creationId xmlns:a16="http://schemas.microsoft.com/office/drawing/2014/main" id="{23CC7B00-A44A-E78E-1364-F58FEBF46EAC}"/>
+              </a:ext>
+            </a:extLst>
+          </p:cNvPr>
+          <p:cNvPicPr>
+            <a:picLocks noChangeAspect="1"/>
+          </p:cNvPicPr>
+          <p:nvPr/>
+        </p:nvPicPr>
+        <p:blipFill>
+          <a:blip r:embed="rId4"/>
+          <a:stretch>
+            <a:fillRect/>
+          </a:stretch>
+        </p:blipFill>
+        <p:spPr>
+          <a:xfrm>
+            <a:off x="23744772" y="14333877"/>
+            <a:ext cx="16445286" cy="10963524"/>
+          </a:xfrm>
+          <a:prstGeom prst="rect">
+            <a:avLst/>
+          </a:prstGeom>
+        </p:spPr>
+      </p:pic>
+      <p:pic>
+        <p:nvPicPr>
+          <p:cNvPr id="27" name="Picture 26" descr="Chart&#10;&#10;Description automatically generated">
+            <a:extLst>
+              <a:ext uri="{FF2B5EF4-FFF2-40B4-BE49-F238E27FC236}">
+                <a16:creationId xmlns:a16="http://schemas.microsoft.com/office/drawing/2014/main" id="{638C9140-8B84-3B22-684E-2A0BBD43C64D}"/>
+              </a:ext>
+            </a:extLst>
+          </p:cNvPr>
+          <p:cNvPicPr>
+            <a:picLocks noChangeAspect="1"/>
+          </p:cNvPicPr>
+          <p:nvPr/>
+        </p:nvPicPr>
+        <p:blipFill>
+          <a:blip r:embed="rId5"/>
+          <a:stretch>
+            <a:fillRect/>
+          </a:stretch>
+        </p:blipFill>
+        <p:spPr>
+          <a:xfrm>
+            <a:off x="6607576" y="14333877"/>
+            <a:ext cx="16445286" cy="10963524"/>
+          </a:xfrm>
+          <a:prstGeom prst="rect">
+            <a:avLst/>
+          </a:prstGeom>
+        </p:spPr>
+      </p:pic>
+      <p:pic>
+        <p:nvPicPr>
+          <p:cNvPr id="45" name="Picture 44" descr="Chart, scatter chart&#10;&#10;Description automatically generated">
+            <a:extLst>
+              <a:ext uri="{FF2B5EF4-FFF2-40B4-BE49-F238E27FC236}">
+                <a16:creationId xmlns:a16="http://schemas.microsoft.com/office/drawing/2014/main" id="{96253E72-C179-3538-7420-15C091C687ED}"/>
+              </a:ext>
+            </a:extLst>
+          </p:cNvPr>
+          <p:cNvPicPr>
+            <a:picLocks noChangeAspect="1"/>
+          </p:cNvPicPr>
+          <p:nvPr/>
+        </p:nvPicPr>
+        <p:blipFill>
+          <a:blip r:embed="rId6"/>
+          <a:stretch>
+            <a:fillRect/>
+          </a:stretch>
+        </p:blipFill>
+        <p:spPr>
+          <a:xfrm>
+            <a:off x="6636195" y="2249582"/>
+            <a:ext cx="16445286" cy="10963524"/>
           </a:xfrm>
           <a:prstGeom prst="rect">
             <a:avLst/>
@@ -3456,7 +3636,7 @@
         </p:nvSpPr>
         <p:spPr>
           <a:xfrm>
-            <a:off x="562238" y="-391160"/>
+            <a:off x="4178601" y="1654517"/>
             <a:ext cx="944489" cy="1938992"/>
           </a:xfrm>
           <a:prstGeom prst="rect">
@@ -3479,10 +3659,10 @@
       </p:sp>
       <p:sp>
         <p:nvSpPr>
-          <p:cNvPr id="15" name="Rectangle 14">
+          <p:cNvPr id="17" name="Rectangle 16">
             <a:extLst>
               <a:ext uri="{FF2B5EF4-FFF2-40B4-BE49-F238E27FC236}">
-                <a16:creationId xmlns:a16="http://schemas.microsoft.com/office/drawing/2014/main" id="{D3A1F978-E7FE-44DD-AEA0-D7325EF67A1C}"/>
+                <a16:creationId xmlns:a16="http://schemas.microsoft.com/office/drawing/2014/main" id="{ACDE5B14-A1B0-C8A3-915D-6A522D1E8F76}"/>
               </a:ext>
             </a:extLst>
           </p:cNvPr>
@@ -3491,17 +3671,17 @@
         </p:nvSpPr>
         <p:spPr>
           <a:xfrm>
-            <a:off x="12171174" y="20335524"/>
-            <a:ext cx="21876779" cy="1973740"/>
+            <a:off x="5427890" y="2249582"/>
+            <a:ext cx="1262199" cy="10916295"/>
           </a:xfrm>
           <a:prstGeom prst="rect">
             <a:avLst/>
           </a:prstGeom>
-          <a:solidFill>
-            <a:schemeClr val="bg1"/>
-          </a:solidFill>
-          <a:ln>
-            <a:noFill/>
+          <a:noFill/>
+          <a:ln w="63500">
+            <a:solidFill>
+              <a:schemeClr val="tx1"/>
+            </a:solidFill>
           </a:ln>
         </p:spPr>
         <p:style>
@@ -3521,90 +3701,36 @@
           </a:fontRef>
         </p:style>
         <p:txBody>
-          <a:bodyPr rtlCol="0" anchor="ctr"/>
+          <a:bodyPr vert="vert270" rtlCol="0" anchor="ctr"/>
           <a:lstStyle/>
           <a:p>
             <a:pPr algn="ctr"/>
-            <a:endParaRPr lang="en-US" dirty="0"/>
-          </a:p>
-        </p:txBody>
-      </p:sp>
-      <p:sp>
-        <p:nvSpPr>
-          <p:cNvPr id="7" name="TextBox 6">
+            <a:r>
+              <a:rPr lang="en-US" sz="6000" b="1" dirty="0" err="1">
+                <a:solidFill>
+                  <a:schemeClr val="tx1"/>
+                </a:solidFill>
+                <a:latin typeface="Microsoft JhengHei UI" panose="020B0604030504040204" pitchFamily="34" charset="-120"/>
+                <a:ea typeface="Microsoft JhengHei UI" panose="020B0604030504040204" pitchFamily="34" charset="-120"/>
+              </a:rPr>
+              <a:t>Positive_MANE</a:t>
+            </a:r>
+            <a:endParaRPr lang="en-US" sz="6000" b="1" dirty="0">
+              <a:solidFill>
+                <a:schemeClr val="tx1"/>
+              </a:solidFill>
+              <a:latin typeface="Microsoft JhengHei UI" panose="020B0604030504040204" pitchFamily="34" charset="-120"/>
+              <a:ea typeface="Microsoft JhengHei UI" panose="020B0604030504040204" pitchFamily="34" charset="-120"/>
+            </a:endParaRPr>
+          </a:p>
+        </p:txBody>
+      </p:sp>
+      <p:sp>
+        <p:nvSpPr>
+          <p:cNvPr id="18" name="Rectangle 17">
             <a:extLst>
               <a:ext uri="{FF2B5EF4-FFF2-40B4-BE49-F238E27FC236}">
-                <a16:creationId xmlns:a16="http://schemas.microsoft.com/office/drawing/2014/main" id="{28FC68F2-43AB-E482-0CD3-B081D929F28E}"/>
-              </a:ext>
-            </a:extLst>
-          </p:cNvPr>
-          <p:cNvSpPr txBox="1"/>
-          <p:nvPr/>
-        </p:nvSpPr>
-        <p:spPr>
-          <a:xfrm>
-            <a:off x="562238" y="21070434"/>
-            <a:ext cx="1010213" cy="1938992"/>
-          </a:xfrm>
-          <a:prstGeom prst="rect">
-            <a:avLst/>
-          </a:prstGeom>
-          <a:noFill/>
-        </p:spPr>
-        <p:txBody>
-          <a:bodyPr wrap="none" rtlCol="0">
-            <a:spAutoFit/>
-          </a:bodyPr>
-          <a:lstStyle/>
-          <a:p>
-            <a:r>
-              <a:rPr lang="en-US" sz="12000" b="1" dirty="0"/>
-              <a:t>b</a:t>
-            </a:r>
-          </a:p>
-        </p:txBody>
-      </p:sp>
-      <p:sp>
-        <p:nvSpPr>
-          <p:cNvPr id="4" name="TextBox 3">
-            <a:extLst>
-              <a:ext uri="{FF2B5EF4-FFF2-40B4-BE49-F238E27FC236}">
-                <a16:creationId xmlns:a16="http://schemas.microsoft.com/office/drawing/2014/main" id="{28344DE9-373E-92FB-9886-5D9EA37EB022}"/>
-              </a:ext>
-            </a:extLst>
-          </p:cNvPr>
-          <p:cNvSpPr txBox="1"/>
-          <p:nvPr/>
-        </p:nvSpPr>
-        <p:spPr>
-          <a:xfrm>
-            <a:off x="1796679" y="11282922"/>
-            <a:ext cx="1226618" cy="1200329"/>
-          </a:xfrm>
-          <a:prstGeom prst="rect">
-            <a:avLst/>
-          </a:prstGeom>
-          <a:noFill/>
-        </p:spPr>
-        <p:txBody>
-          <a:bodyPr wrap="none" rtlCol="0">
-            <a:spAutoFit/>
-          </a:bodyPr>
-          <a:lstStyle/>
-          <a:p>
-            <a:r>
-              <a:rPr lang="en-US" sz="7200" b="1" dirty="0"/>
-              <a:t>(2)</a:t>
-            </a:r>
-          </a:p>
-        </p:txBody>
-      </p:sp>
-      <p:sp>
-        <p:nvSpPr>
-          <p:cNvPr id="8" name="Rectangle 7">
-            <a:extLst>
-              <a:ext uri="{FF2B5EF4-FFF2-40B4-BE49-F238E27FC236}">
-                <a16:creationId xmlns:a16="http://schemas.microsoft.com/office/drawing/2014/main" id="{FEF673A0-95D9-B8C7-222A-2687211BAA55}"/>
+                <a16:creationId xmlns:a16="http://schemas.microsoft.com/office/drawing/2014/main" id="{756D40EB-0D67-8398-44AC-9A2F9E3F769A}"/>
               </a:ext>
             </a:extLst>
           </p:cNvPr>
@@ -3613,17 +3739,17 @@
         </p:nvSpPr>
         <p:spPr>
           <a:xfrm>
-            <a:off x="13499410" y="11628942"/>
-            <a:ext cx="21876779" cy="1973740"/>
+            <a:off x="23770047" y="2249582"/>
+            <a:ext cx="16420011" cy="10916295"/>
           </a:xfrm>
           <a:prstGeom prst="rect">
             <a:avLst/>
           </a:prstGeom>
-          <a:solidFill>
-            <a:schemeClr val="bg1"/>
-          </a:solidFill>
-          <a:ln>
-            <a:noFill/>
+          <a:noFill/>
+          <a:ln w="63500">
+            <a:solidFill>
+              <a:schemeClr val="tx1"/>
+            </a:solidFill>
           </a:ln>
         </p:spPr>
         <p:style>
@@ -3647,16 +3773,16 @@
           <a:lstStyle/>
           <a:p>
             <a:pPr algn="ctr"/>
-            <a:endParaRPr lang="en-US" dirty="0"/>
-          </a:p>
-        </p:txBody>
-      </p:sp>
-      <p:sp>
-        <p:nvSpPr>
-          <p:cNvPr id="9" name="Rectangle 8">
+            <a:endParaRPr lang="en-US"/>
+          </a:p>
+        </p:txBody>
+      </p:sp>
+      <p:sp>
+        <p:nvSpPr>
+          <p:cNvPr id="19" name="Rectangle 18">
             <a:extLst>
               <a:ext uri="{FF2B5EF4-FFF2-40B4-BE49-F238E27FC236}">
-                <a16:creationId xmlns:a16="http://schemas.microsoft.com/office/drawing/2014/main" id="{963DC399-2BFD-8413-D2FC-7A5FBBBBF421}"/>
+                <a16:creationId xmlns:a16="http://schemas.microsoft.com/office/drawing/2014/main" id="{602FC623-FA0C-0842-A18E-ACA59DDCC9FA}"/>
               </a:ext>
             </a:extLst>
           </p:cNvPr>
@@ -3665,17 +3791,17 @@
         </p:nvSpPr>
         <p:spPr>
           <a:xfrm>
-            <a:off x="12610432" y="1378081"/>
-            <a:ext cx="21876779" cy="1973740"/>
+            <a:off x="6690089" y="2249582"/>
+            <a:ext cx="16420011" cy="10916295"/>
           </a:xfrm>
           <a:prstGeom prst="rect">
             <a:avLst/>
           </a:prstGeom>
-          <a:solidFill>
-            <a:schemeClr val="bg1"/>
-          </a:solidFill>
-          <a:ln>
-            <a:noFill/>
+          <a:noFill/>
+          <a:ln w="63500">
+            <a:solidFill>
+              <a:schemeClr val="tx1"/>
+            </a:solidFill>
           </a:ln>
         </p:spPr>
         <p:style>
@@ -3703,12 +3829,378 @@
           </a:p>
         </p:txBody>
       </p:sp>
+      <p:grpSp>
+        <p:nvGrpSpPr>
+          <p:cNvPr id="31" name="Group 30">
+            <a:extLst>
+              <a:ext uri="{FF2B5EF4-FFF2-40B4-BE49-F238E27FC236}">
+                <a16:creationId xmlns:a16="http://schemas.microsoft.com/office/drawing/2014/main" id="{10AE9DC3-9EF8-8A31-82E3-AEC77328421E}"/>
+              </a:ext>
+            </a:extLst>
+          </p:cNvPr>
+          <p:cNvGrpSpPr/>
+          <p:nvPr/>
+        </p:nvGrpSpPr>
+        <p:grpSpPr>
+          <a:xfrm>
+            <a:off x="5427890" y="14044701"/>
+            <a:ext cx="34762168" cy="10963524"/>
+            <a:chOff x="5427890" y="2582090"/>
+            <a:chExt cx="34762168" cy="8009709"/>
+          </a:xfrm>
+        </p:grpSpPr>
+        <p:sp>
+          <p:nvSpPr>
+            <p:cNvPr id="32" name="Rectangle 31">
+              <a:extLst>
+                <a:ext uri="{FF2B5EF4-FFF2-40B4-BE49-F238E27FC236}">
+                  <a16:creationId xmlns:a16="http://schemas.microsoft.com/office/drawing/2014/main" id="{73CCFC7B-47EE-8BD4-2037-6847CC44B733}"/>
+                </a:ext>
+              </a:extLst>
+            </p:cNvPr>
+            <p:cNvSpPr/>
+            <p:nvPr/>
+          </p:nvSpPr>
+          <p:spPr>
+            <a:xfrm>
+              <a:off x="5427890" y="2582090"/>
+              <a:ext cx="1262199" cy="8009709"/>
+            </a:xfrm>
+            <a:prstGeom prst="rect">
+              <a:avLst/>
+            </a:prstGeom>
+            <a:noFill/>
+            <a:ln w="63500">
+              <a:solidFill>
+                <a:schemeClr val="tx1"/>
+              </a:solidFill>
+            </a:ln>
+          </p:spPr>
+          <p:style>
+            <a:lnRef idx="2">
+              <a:schemeClr val="accent1">
+                <a:shade val="50000"/>
+              </a:schemeClr>
+            </a:lnRef>
+            <a:fillRef idx="1">
+              <a:schemeClr val="accent1"/>
+            </a:fillRef>
+            <a:effectRef idx="0">
+              <a:schemeClr val="accent1"/>
+            </a:effectRef>
+            <a:fontRef idx="minor">
+              <a:schemeClr val="lt1"/>
+            </a:fontRef>
+          </p:style>
+          <p:txBody>
+            <a:bodyPr vert="vert270" rtlCol="0" anchor="ctr"/>
+            <a:lstStyle/>
+            <a:p>
+              <a:pPr algn="ctr"/>
+              <a:r>
+                <a:rPr lang="en-US" sz="6000" b="1" dirty="0" err="1">
+                  <a:solidFill>
+                    <a:schemeClr val="tx1"/>
+                  </a:solidFill>
+                  <a:latin typeface="Microsoft JhengHei UI" panose="020B0604030504040204" pitchFamily="34" charset="-120"/>
+                  <a:ea typeface="Microsoft JhengHei UI" panose="020B0604030504040204" pitchFamily="34" charset="-120"/>
+                </a:rPr>
+                <a:t>Positive_ALT</a:t>
+              </a:r>
+              <a:endParaRPr lang="en-US" sz="6000" b="1" dirty="0">
+                <a:solidFill>
+                  <a:schemeClr val="tx1"/>
+                </a:solidFill>
+                <a:latin typeface="Microsoft JhengHei UI" panose="020B0604030504040204" pitchFamily="34" charset="-120"/>
+                <a:ea typeface="Microsoft JhengHei UI" panose="020B0604030504040204" pitchFamily="34" charset="-120"/>
+              </a:endParaRPr>
+            </a:p>
+          </p:txBody>
+        </p:sp>
+        <p:sp>
+          <p:nvSpPr>
+            <p:cNvPr id="33" name="Rectangle 32">
+              <a:extLst>
+                <a:ext uri="{FF2B5EF4-FFF2-40B4-BE49-F238E27FC236}">
+                  <a16:creationId xmlns:a16="http://schemas.microsoft.com/office/drawing/2014/main" id="{0D73B0D2-6595-FA4A-9405-996D933A89EB}"/>
+                </a:ext>
+              </a:extLst>
+            </p:cNvPr>
+            <p:cNvSpPr/>
+            <p:nvPr/>
+          </p:nvSpPr>
+          <p:spPr>
+            <a:xfrm>
+              <a:off x="23770047" y="2582090"/>
+              <a:ext cx="16420011" cy="8009709"/>
+            </a:xfrm>
+            <a:prstGeom prst="rect">
+              <a:avLst/>
+            </a:prstGeom>
+            <a:noFill/>
+            <a:ln w="63500">
+              <a:solidFill>
+                <a:schemeClr val="tx1"/>
+              </a:solidFill>
+            </a:ln>
+          </p:spPr>
+          <p:style>
+            <a:lnRef idx="2">
+              <a:schemeClr val="accent1">
+                <a:shade val="50000"/>
+              </a:schemeClr>
+            </a:lnRef>
+            <a:fillRef idx="1">
+              <a:schemeClr val="accent1"/>
+            </a:fillRef>
+            <a:effectRef idx="0">
+              <a:schemeClr val="accent1"/>
+            </a:effectRef>
+            <a:fontRef idx="minor">
+              <a:schemeClr val="lt1"/>
+            </a:fontRef>
+          </p:style>
+          <p:txBody>
+            <a:bodyPr rtlCol="0" anchor="ctr"/>
+            <a:lstStyle/>
+            <a:p>
+              <a:pPr algn="ctr"/>
+              <a:endParaRPr lang="en-US"/>
+            </a:p>
+          </p:txBody>
+        </p:sp>
+        <p:sp>
+          <p:nvSpPr>
+            <p:cNvPr id="34" name="Rectangle 33">
+              <a:extLst>
+                <a:ext uri="{FF2B5EF4-FFF2-40B4-BE49-F238E27FC236}">
+                  <a16:creationId xmlns:a16="http://schemas.microsoft.com/office/drawing/2014/main" id="{DBD5A47C-9B59-34D7-82AF-E5525C8708EB}"/>
+                </a:ext>
+              </a:extLst>
+            </p:cNvPr>
+            <p:cNvSpPr/>
+            <p:nvPr/>
+          </p:nvSpPr>
+          <p:spPr>
+            <a:xfrm>
+              <a:off x="6690089" y="2582090"/>
+              <a:ext cx="16420011" cy="8009709"/>
+            </a:xfrm>
+            <a:prstGeom prst="rect">
+              <a:avLst/>
+            </a:prstGeom>
+            <a:noFill/>
+            <a:ln w="63500">
+              <a:solidFill>
+                <a:schemeClr val="tx1"/>
+              </a:solidFill>
+            </a:ln>
+          </p:spPr>
+          <p:style>
+            <a:lnRef idx="2">
+              <a:schemeClr val="accent1">
+                <a:shade val="50000"/>
+              </a:schemeClr>
+            </a:lnRef>
+            <a:fillRef idx="1">
+              <a:schemeClr val="accent1"/>
+            </a:fillRef>
+            <a:effectRef idx="0">
+              <a:schemeClr val="accent1"/>
+            </a:effectRef>
+            <a:fontRef idx="minor">
+              <a:schemeClr val="lt1"/>
+            </a:fontRef>
+          </p:style>
+          <p:txBody>
+            <a:bodyPr rtlCol="0" anchor="ctr"/>
+            <a:lstStyle/>
+            <a:p>
+              <a:pPr algn="ctr"/>
+              <a:endParaRPr lang="en-US" dirty="0"/>
+            </a:p>
+          </p:txBody>
+        </p:sp>
+      </p:grpSp>
+      <p:sp>
+        <p:nvSpPr>
+          <p:cNvPr id="43" name="TextBox 42">
+            <a:extLst>
+              <a:ext uri="{FF2B5EF4-FFF2-40B4-BE49-F238E27FC236}">
+                <a16:creationId xmlns:a16="http://schemas.microsoft.com/office/drawing/2014/main" id="{5208A82D-BD4B-026F-6B03-EA1E6C210E3E}"/>
+              </a:ext>
+            </a:extLst>
+          </p:cNvPr>
+          <p:cNvSpPr txBox="1"/>
+          <p:nvPr/>
+        </p:nvSpPr>
+        <p:spPr>
+          <a:xfrm>
+            <a:off x="13031634" y="483078"/>
+            <a:ext cx="3736920" cy="1477328"/>
+          </a:xfrm>
+          <a:prstGeom prst="rect">
+            <a:avLst/>
+          </a:prstGeom>
+          <a:noFill/>
+        </p:spPr>
+        <p:txBody>
+          <a:bodyPr wrap="none" rtlCol="0">
+            <a:spAutoFit/>
+          </a:bodyPr>
+          <a:lstStyle/>
+          <a:p>
+            <a:pPr algn="ctr"/>
+            <a:r>
+              <a:rPr lang="en-US" sz="9000" b="1" dirty="0">
+                <a:latin typeface="Microsoft JhengHei UI" panose="020B0604030504040204" pitchFamily="34" charset="-120"/>
+                <a:ea typeface="Microsoft JhengHei UI" panose="020B0604030504040204" pitchFamily="34" charset="-120"/>
+              </a:rPr>
+              <a:t>Donor</a:t>
+            </a:r>
+          </a:p>
+        </p:txBody>
+      </p:sp>
+      <p:sp>
+        <p:nvSpPr>
+          <p:cNvPr id="44" name="TextBox 43">
+            <a:extLst>
+              <a:ext uri="{FF2B5EF4-FFF2-40B4-BE49-F238E27FC236}">
+                <a16:creationId xmlns:a16="http://schemas.microsoft.com/office/drawing/2014/main" id="{2807531B-8A55-400C-5FEA-290A638BEF8D}"/>
+              </a:ext>
+            </a:extLst>
+          </p:cNvPr>
+          <p:cNvSpPr txBox="1"/>
+          <p:nvPr/>
+        </p:nvSpPr>
+        <p:spPr>
+          <a:xfrm>
+            <a:off x="29369371" y="578336"/>
+            <a:ext cx="5221366" cy="1477328"/>
+          </a:xfrm>
+          <a:prstGeom prst="rect">
+            <a:avLst/>
+          </a:prstGeom>
+          <a:noFill/>
+        </p:spPr>
+        <p:txBody>
+          <a:bodyPr wrap="none" rtlCol="0">
+            <a:spAutoFit/>
+          </a:bodyPr>
+          <a:lstStyle/>
+          <a:p>
+            <a:pPr algn="ctr"/>
+            <a:r>
+              <a:rPr lang="en-US" sz="9000" b="1" dirty="0">
+                <a:latin typeface="Microsoft JhengHei UI" panose="020B0604030504040204" pitchFamily="34" charset="-120"/>
+                <a:ea typeface="Microsoft JhengHei UI" panose="020B0604030504040204" pitchFamily="34" charset="-120"/>
+              </a:rPr>
+              <a:t>Acceptor</a:t>
+            </a:r>
+          </a:p>
+        </p:txBody>
+      </p:sp>
+      <p:sp>
+        <p:nvSpPr>
+          <p:cNvPr id="66" name="TextBox 65">
+            <a:extLst>
+              <a:ext uri="{FF2B5EF4-FFF2-40B4-BE49-F238E27FC236}">
+                <a16:creationId xmlns:a16="http://schemas.microsoft.com/office/drawing/2014/main" id="{1F61BAB7-70F4-4A09-2588-51C323C9F5A2}"/>
+              </a:ext>
+            </a:extLst>
+          </p:cNvPr>
+          <p:cNvSpPr txBox="1"/>
+          <p:nvPr/>
+        </p:nvSpPr>
+        <p:spPr>
+          <a:xfrm>
+            <a:off x="4178600" y="13562885"/>
+            <a:ext cx="944489" cy="1938992"/>
+          </a:xfrm>
+          <a:prstGeom prst="rect">
+            <a:avLst/>
+          </a:prstGeom>
+          <a:noFill/>
+        </p:spPr>
+        <p:txBody>
+          <a:bodyPr wrap="square" rtlCol="0">
+            <a:spAutoFit/>
+          </a:bodyPr>
+          <a:lstStyle/>
+          <a:p>
+            <a:r>
+              <a:rPr lang="en-US" sz="12000" b="1" dirty="0"/>
+              <a:t>b</a:t>
+            </a:r>
+          </a:p>
+        </p:txBody>
+      </p:sp>
+    </p:spTree>
+    <p:extLst>
+      <p:ext uri="{BB962C8B-B14F-4D97-AF65-F5344CB8AC3E}">
+        <p14:creationId xmlns:p14="http://schemas.microsoft.com/office/powerpoint/2010/main" val="2001175103"/>
+      </p:ext>
+    </p:extLst>
+  </p:cSld>
+  <p:clrMapOvr>
+    <a:masterClrMapping/>
+  </p:clrMapOvr>
+</p:sld>
+</file>
+
+<file path=ppt/slides/slide2.xml><?xml version="1.0" encoding="utf-8"?>
+<p:sld xmlns:a="http://schemas.openxmlformats.org/drawingml/2006/main" xmlns:r="http://schemas.openxmlformats.org/officeDocument/2006/relationships" xmlns:p="http://schemas.openxmlformats.org/presentationml/2006/main">
+  <p:cSld>
+    <p:spTree>
+      <p:nvGrpSpPr>
+        <p:cNvPr id="1" name=""/>
+        <p:cNvGrpSpPr/>
+        <p:nvPr/>
+      </p:nvGrpSpPr>
+      <p:grpSpPr>
+        <a:xfrm>
+          <a:off x="0" y="0"/>
+          <a:ext cx="0" cy="0"/>
+          <a:chOff x="0" y="0"/>
+          <a:chExt cx="0" cy="0"/>
+        </a:xfrm>
+      </p:grpSpPr>
       <p:pic>
         <p:nvPicPr>
-          <p:cNvPr id="11" name="Picture 10" descr="Chart, line chart&#10;&#10;Description automatically generated">
+          <p:cNvPr id="3" name="Picture 2" descr="Table&#10;&#10;Description automatically generated">
             <a:extLst>
               <a:ext uri="{FF2B5EF4-FFF2-40B4-BE49-F238E27FC236}">
-                <a16:creationId xmlns:a16="http://schemas.microsoft.com/office/drawing/2014/main" id="{15BD559B-D108-D7F0-7A86-EED5E46A8FBC}"/>
+                <a16:creationId xmlns:a16="http://schemas.microsoft.com/office/drawing/2014/main" id="{917DDB18-C657-1916-F7FD-862C3EEE1146}"/>
+              </a:ext>
+            </a:extLst>
+          </p:cNvPr>
+          <p:cNvPicPr>
+            <a:picLocks noChangeAspect="1"/>
+          </p:cNvPicPr>
+          <p:nvPr/>
+        </p:nvPicPr>
+        <p:blipFill>
+          <a:blip r:embed="rId3"/>
+          <a:stretch>
+            <a:fillRect/>
+          </a:stretch>
+        </p:blipFill>
+        <p:spPr>
+          <a:xfrm>
+            <a:off x="23556688" y="2098189"/>
+            <a:ext cx="16692469" cy="8346235"/>
+          </a:xfrm>
+          <a:prstGeom prst="rect">
+            <a:avLst/>
+          </a:prstGeom>
+        </p:spPr>
+      </p:pic>
+      <p:pic>
+        <p:nvPicPr>
+          <p:cNvPr id="7" name="Picture 6" descr="Chart&#10;&#10;Description automatically generated">
+            <a:extLst>
+              <a:ext uri="{FF2B5EF4-FFF2-40B4-BE49-F238E27FC236}">
+                <a16:creationId xmlns:a16="http://schemas.microsoft.com/office/drawing/2014/main" id="{ACEB81AB-45C6-8382-AEE4-DB94492675CB}"/>
               </a:ext>
             </a:extLst>
           </p:cNvPr>
@@ -3725,8 +4217,8 @@
         </p:blipFill>
         <p:spPr>
           <a:xfrm>
-            <a:off x="1538258" y="21915236"/>
-            <a:ext cx="34048848" cy="8512212"/>
+            <a:off x="23556688" y="10575839"/>
+            <a:ext cx="16692469" cy="8346235"/>
           </a:xfrm>
           <a:prstGeom prst="rect">
             <a:avLst/>
@@ -3735,10 +4227,10 @@
       </p:pic>
       <p:pic>
         <p:nvPicPr>
-          <p:cNvPr id="16" name="Picture 15" descr="A picture containing diagram, plot, line, screenshot&#10;&#10;Description automatically generated">
+          <p:cNvPr id="11" name="Picture 10" descr="Chart&#10;&#10;Description automatically generated with low confidence">
             <a:extLst>
               <a:ext uri="{FF2B5EF4-FFF2-40B4-BE49-F238E27FC236}">
-                <a16:creationId xmlns:a16="http://schemas.microsoft.com/office/drawing/2014/main" id="{F9A78454-00EF-D74F-3913-32ABABE94E32}"/>
+                <a16:creationId xmlns:a16="http://schemas.microsoft.com/office/drawing/2014/main" id="{07CA24A8-9976-049A-9624-DD98F5E1C308}"/>
               </a:ext>
             </a:extLst>
           </p:cNvPr>
@@ -3755,20 +4247,170 @@
         </p:blipFill>
         <p:spPr>
           <a:xfrm>
-            <a:off x="1887471" y="578336"/>
-            <a:ext cx="33165361" cy="11754811"/>
+            <a:off x="23556687" y="19078398"/>
+            <a:ext cx="16692469" cy="8346235"/>
           </a:xfrm>
           <a:prstGeom prst="rect">
             <a:avLst/>
           </a:prstGeom>
         </p:spPr>
       </p:pic>
-      <p:sp>
-        <p:nvSpPr>
-          <p:cNvPr id="17" name="TextBox 16">
+      <p:pic>
+        <p:nvPicPr>
+          <p:cNvPr id="16" name="Picture 15" descr="Table&#10;&#10;Description automatically generated with medium confidence">
             <a:extLst>
               <a:ext uri="{FF2B5EF4-FFF2-40B4-BE49-F238E27FC236}">
-                <a16:creationId xmlns:a16="http://schemas.microsoft.com/office/drawing/2014/main" id="{4588B505-2FF7-713B-8F94-BB3227A01FF8}"/>
+                <a16:creationId xmlns:a16="http://schemas.microsoft.com/office/drawing/2014/main" id="{04B5AA41-95CA-99D5-28E5-39651E685BF2}"/>
+              </a:ext>
+            </a:extLst>
+          </p:cNvPr>
+          <p:cNvPicPr>
+            <a:picLocks noChangeAspect="1"/>
+          </p:cNvPicPr>
+          <p:nvPr/>
+        </p:nvPicPr>
+        <p:blipFill>
+          <a:blip r:embed="rId6"/>
+          <a:stretch>
+            <a:fillRect/>
+          </a:stretch>
+        </p:blipFill>
+        <p:spPr>
+          <a:xfrm>
+            <a:off x="23556687" y="27516072"/>
+            <a:ext cx="16692469" cy="8346235"/>
+          </a:xfrm>
+          <a:prstGeom prst="rect">
+            <a:avLst/>
+          </a:prstGeom>
+        </p:spPr>
+      </p:pic>
+      <p:pic>
+        <p:nvPicPr>
+          <p:cNvPr id="5" name="Picture 4" descr="Chart&#10;&#10;Description automatically generated">
+            <a:extLst>
+              <a:ext uri="{FF2B5EF4-FFF2-40B4-BE49-F238E27FC236}">
+                <a16:creationId xmlns:a16="http://schemas.microsoft.com/office/drawing/2014/main" id="{DE362162-1758-EADC-7B99-F8E8D670CD32}"/>
+              </a:ext>
+            </a:extLst>
+          </p:cNvPr>
+          <p:cNvPicPr>
+            <a:picLocks noChangeAspect="1"/>
+          </p:cNvPicPr>
+          <p:nvPr/>
+        </p:nvPicPr>
+        <p:blipFill>
+          <a:blip r:embed="rId7"/>
+          <a:stretch>
+            <a:fillRect/>
+          </a:stretch>
+        </p:blipFill>
+        <p:spPr>
+          <a:xfrm>
+            <a:off x="6448111" y="2098190"/>
+            <a:ext cx="16692469" cy="8346235"/>
+          </a:xfrm>
+          <a:prstGeom prst="rect">
+            <a:avLst/>
+          </a:prstGeom>
+        </p:spPr>
+      </p:pic>
+      <p:pic>
+        <p:nvPicPr>
+          <p:cNvPr id="9" name="Picture 8" descr="Chart&#10;&#10;Description automatically generated">
+            <a:extLst>
+              <a:ext uri="{FF2B5EF4-FFF2-40B4-BE49-F238E27FC236}">
+                <a16:creationId xmlns:a16="http://schemas.microsoft.com/office/drawing/2014/main" id="{E29EB3E2-36C3-40E2-A3C7-5D38FC56FE74}"/>
+              </a:ext>
+            </a:extLst>
+          </p:cNvPr>
+          <p:cNvPicPr>
+            <a:picLocks noChangeAspect="1"/>
+          </p:cNvPicPr>
+          <p:nvPr/>
+        </p:nvPicPr>
+        <p:blipFill>
+          <a:blip r:embed="rId8"/>
+          <a:stretch>
+            <a:fillRect/>
+          </a:stretch>
+        </p:blipFill>
+        <p:spPr>
+          <a:xfrm>
+            <a:off x="6448114" y="10575840"/>
+            <a:ext cx="16692469" cy="8346235"/>
+          </a:xfrm>
+          <a:prstGeom prst="rect">
+            <a:avLst/>
+          </a:prstGeom>
+        </p:spPr>
+      </p:pic>
+      <p:pic>
+        <p:nvPicPr>
+          <p:cNvPr id="14" name="Picture 13" descr="A picture containing chart&#10;&#10;Description automatically generated">
+            <a:extLst>
+              <a:ext uri="{FF2B5EF4-FFF2-40B4-BE49-F238E27FC236}">
+                <a16:creationId xmlns:a16="http://schemas.microsoft.com/office/drawing/2014/main" id="{D961DA00-4865-15E3-5D17-E88FCEF5CF92}"/>
+              </a:ext>
+            </a:extLst>
+          </p:cNvPr>
+          <p:cNvPicPr>
+            <a:picLocks noChangeAspect="1"/>
+          </p:cNvPicPr>
+          <p:nvPr/>
+        </p:nvPicPr>
+        <p:blipFill>
+          <a:blip r:embed="rId9"/>
+          <a:stretch>
+            <a:fillRect/>
+          </a:stretch>
+        </p:blipFill>
+        <p:spPr>
+          <a:xfrm>
+            <a:off x="6448113" y="19043903"/>
+            <a:ext cx="16692469" cy="8346235"/>
+          </a:xfrm>
+          <a:prstGeom prst="rect">
+            <a:avLst/>
+          </a:prstGeom>
+        </p:spPr>
+      </p:pic>
+      <p:pic>
+        <p:nvPicPr>
+          <p:cNvPr id="21" name="Picture 20" descr="Chart&#10;&#10;Description automatically generated with low confidence">
+            <a:extLst>
+              <a:ext uri="{FF2B5EF4-FFF2-40B4-BE49-F238E27FC236}">
+                <a16:creationId xmlns:a16="http://schemas.microsoft.com/office/drawing/2014/main" id="{24F3555A-3610-D88B-0B23-192EF9498BC4}"/>
+              </a:ext>
+            </a:extLst>
+          </p:cNvPr>
+          <p:cNvPicPr>
+            <a:picLocks noChangeAspect="1"/>
+          </p:cNvPicPr>
+          <p:nvPr/>
+        </p:nvPicPr>
+        <p:blipFill>
+          <a:blip r:embed="rId10"/>
+          <a:stretch>
+            <a:fillRect/>
+          </a:stretch>
+        </p:blipFill>
+        <p:spPr>
+          <a:xfrm>
+            <a:off x="6448112" y="27516073"/>
+            <a:ext cx="16692469" cy="8346235"/>
+          </a:xfrm>
+          <a:prstGeom prst="rect">
+            <a:avLst/>
+          </a:prstGeom>
+        </p:spPr>
+      </p:pic>
+      <p:sp>
+        <p:nvSpPr>
+          <p:cNvPr id="13" name="TextBox 12">
+            <a:extLst>
+              <a:ext uri="{FF2B5EF4-FFF2-40B4-BE49-F238E27FC236}">
+                <a16:creationId xmlns:a16="http://schemas.microsoft.com/office/drawing/2014/main" id="{39F6D17D-EE6F-26CE-4CE4-126B5907638D}"/>
               </a:ext>
             </a:extLst>
           </p:cNvPr>
@@ -3777,8 +4419,8 @@
         </p:nvSpPr>
         <p:spPr>
           <a:xfrm>
-            <a:off x="1796679" y="861001"/>
-            <a:ext cx="1226618" cy="1200329"/>
+            <a:off x="4178601" y="1654517"/>
+            <a:ext cx="944489" cy="1938992"/>
           </a:xfrm>
           <a:prstGeom prst="rect">
             <a:avLst/>
@@ -3792,8 +4434,935 @@
           <a:lstStyle/>
           <a:p>
             <a:r>
-              <a:rPr lang="en-US" sz="7200" b="1" dirty="0"/>
-              <a:t>(1)</a:t>
+              <a:rPr lang="en-US" sz="12000" b="1" dirty="0"/>
+              <a:t>a</a:t>
+            </a:r>
+          </a:p>
+        </p:txBody>
+      </p:sp>
+      <p:sp>
+        <p:nvSpPr>
+          <p:cNvPr id="17" name="Rectangle 16">
+            <a:extLst>
+              <a:ext uri="{FF2B5EF4-FFF2-40B4-BE49-F238E27FC236}">
+                <a16:creationId xmlns:a16="http://schemas.microsoft.com/office/drawing/2014/main" id="{ACDE5B14-A1B0-C8A3-915D-6A522D1E8F76}"/>
+              </a:ext>
+            </a:extLst>
+          </p:cNvPr>
+          <p:cNvSpPr/>
+          <p:nvPr/>
+        </p:nvSpPr>
+        <p:spPr>
+          <a:xfrm>
+            <a:off x="5427890" y="2249582"/>
+            <a:ext cx="1262199" cy="8009709"/>
+          </a:xfrm>
+          <a:prstGeom prst="rect">
+            <a:avLst/>
+          </a:prstGeom>
+          <a:noFill/>
+          <a:ln w="63500">
+            <a:solidFill>
+              <a:schemeClr val="tx1"/>
+            </a:solidFill>
+          </a:ln>
+        </p:spPr>
+        <p:style>
+          <a:lnRef idx="2">
+            <a:schemeClr val="accent1">
+              <a:shade val="50000"/>
+            </a:schemeClr>
+          </a:lnRef>
+          <a:fillRef idx="1">
+            <a:schemeClr val="accent1"/>
+          </a:fillRef>
+          <a:effectRef idx="0">
+            <a:schemeClr val="accent1"/>
+          </a:effectRef>
+          <a:fontRef idx="minor">
+            <a:schemeClr val="lt1"/>
+          </a:fontRef>
+        </p:style>
+        <p:txBody>
+          <a:bodyPr vert="vert270" rtlCol="0" anchor="ctr"/>
+          <a:lstStyle/>
+          <a:p>
+            <a:pPr algn="ctr"/>
+            <a:r>
+              <a:rPr lang="en-US" sz="6000" b="1" dirty="0" err="1">
+                <a:solidFill>
+                  <a:schemeClr val="tx1"/>
+                </a:solidFill>
+                <a:latin typeface="Microsoft JhengHei UI" panose="020B0604030504040204" pitchFamily="34" charset="-120"/>
+                <a:ea typeface="Microsoft JhengHei UI" panose="020B0604030504040204" pitchFamily="34" charset="-120"/>
+              </a:rPr>
+              <a:t>Positive_MANE</a:t>
+            </a:r>
+            <a:endParaRPr lang="en-US" sz="6000" b="1" dirty="0">
+              <a:solidFill>
+                <a:schemeClr val="tx1"/>
+              </a:solidFill>
+              <a:latin typeface="Microsoft JhengHei UI" panose="020B0604030504040204" pitchFamily="34" charset="-120"/>
+              <a:ea typeface="Microsoft JhengHei UI" panose="020B0604030504040204" pitchFamily="34" charset="-120"/>
+            </a:endParaRPr>
+          </a:p>
+        </p:txBody>
+      </p:sp>
+      <p:sp>
+        <p:nvSpPr>
+          <p:cNvPr id="18" name="Rectangle 17">
+            <a:extLst>
+              <a:ext uri="{FF2B5EF4-FFF2-40B4-BE49-F238E27FC236}">
+                <a16:creationId xmlns:a16="http://schemas.microsoft.com/office/drawing/2014/main" id="{756D40EB-0D67-8398-44AC-9A2F9E3F769A}"/>
+              </a:ext>
+            </a:extLst>
+          </p:cNvPr>
+          <p:cNvSpPr/>
+          <p:nvPr/>
+        </p:nvSpPr>
+        <p:spPr>
+          <a:xfrm>
+            <a:off x="23770047" y="2249582"/>
+            <a:ext cx="16420011" cy="8009709"/>
+          </a:xfrm>
+          <a:prstGeom prst="rect">
+            <a:avLst/>
+          </a:prstGeom>
+          <a:noFill/>
+          <a:ln w="63500">
+            <a:solidFill>
+              <a:schemeClr val="tx1"/>
+            </a:solidFill>
+          </a:ln>
+        </p:spPr>
+        <p:style>
+          <a:lnRef idx="2">
+            <a:schemeClr val="accent1">
+              <a:shade val="50000"/>
+            </a:schemeClr>
+          </a:lnRef>
+          <a:fillRef idx="1">
+            <a:schemeClr val="accent1"/>
+          </a:fillRef>
+          <a:effectRef idx="0">
+            <a:schemeClr val="accent1"/>
+          </a:effectRef>
+          <a:fontRef idx="minor">
+            <a:schemeClr val="lt1"/>
+          </a:fontRef>
+        </p:style>
+        <p:txBody>
+          <a:bodyPr rtlCol="0" anchor="ctr"/>
+          <a:lstStyle/>
+          <a:p>
+            <a:pPr algn="ctr"/>
+            <a:endParaRPr lang="en-US"/>
+          </a:p>
+        </p:txBody>
+      </p:sp>
+      <p:sp>
+        <p:nvSpPr>
+          <p:cNvPr id="19" name="Rectangle 18">
+            <a:extLst>
+              <a:ext uri="{FF2B5EF4-FFF2-40B4-BE49-F238E27FC236}">
+                <a16:creationId xmlns:a16="http://schemas.microsoft.com/office/drawing/2014/main" id="{602FC623-FA0C-0842-A18E-ACA59DDCC9FA}"/>
+              </a:ext>
+            </a:extLst>
+          </p:cNvPr>
+          <p:cNvSpPr/>
+          <p:nvPr/>
+        </p:nvSpPr>
+        <p:spPr>
+          <a:xfrm>
+            <a:off x="6690089" y="2249582"/>
+            <a:ext cx="16420011" cy="8009709"/>
+          </a:xfrm>
+          <a:prstGeom prst="rect">
+            <a:avLst/>
+          </a:prstGeom>
+          <a:noFill/>
+          <a:ln w="63500">
+            <a:solidFill>
+              <a:schemeClr val="tx1"/>
+            </a:solidFill>
+          </a:ln>
+        </p:spPr>
+        <p:style>
+          <a:lnRef idx="2">
+            <a:schemeClr val="accent1">
+              <a:shade val="50000"/>
+            </a:schemeClr>
+          </a:lnRef>
+          <a:fillRef idx="1">
+            <a:schemeClr val="accent1"/>
+          </a:fillRef>
+          <a:effectRef idx="0">
+            <a:schemeClr val="accent1"/>
+          </a:effectRef>
+          <a:fontRef idx="minor">
+            <a:schemeClr val="lt1"/>
+          </a:fontRef>
+        </p:style>
+        <p:txBody>
+          <a:bodyPr rtlCol="0" anchor="ctr"/>
+          <a:lstStyle/>
+          <a:p>
+            <a:pPr algn="ctr"/>
+            <a:endParaRPr lang="en-US" dirty="0"/>
+          </a:p>
+        </p:txBody>
+      </p:sp>
+      <p:grpSp>
+        <p:nvGrpSpPr>
+          <p:cNvPr id="31" name="Group 30">
+            <a:extLst>
+              <a:ext uri="{FF2B5EF4-FFF2-40B4-BE49-F238E27FC236}">
+                <a16:creationId xmlns:a16="http://schemas.microsoft.com/office/drawing/2014/main" id="{10AE9DC3-9EF8-8A31-82E3-AEC77328421E}"/>
+              </a:ext>
+            </a:extLst>
+          </p:cNvPr>
+          <p:cNvGrpSpPr/>
+          <p:nvPr/>
+        </p:nvGrpSpPr>
+        <p:grpSpPr>
+          <a:xfrm>
+            <a:off x="5427890" y="10727834"/>
+            <a:ext cx="34762168" cy="8009709"/>
+            <a:chOff x="5427890" y="2582090"/>
+            <a:chExt cx="34762168" cy="8009709"/>
+          </a:xfrm>
+        </p:grpSpPr>
+        <p:sp>
+          <p:nvSpPr>
+            <p:cNvPr id="32" name="Rectangle 31">
+              <a:extLst>
+                <a:ext uri="{FF2B5EF4-FFF2-40B4-BE49-F238E27FC236}">
+                  <a16:creationId xmlns:a16="http://schemas.microsoft.com/office/drawing/2014/main" id="{73CCFC7B-47EE-8BD4-2037-6847CC44B733}"/>
+                </a:ext>
+              </a:extLst>
+            </p:cNvPr>
+            <p:cNvSpPr/>
+            <p:nvPr/>
+          </p:nvSpPr>
+          <p:spPr>
+            <a:xfrm>
+              <a:off x="5427890" y="2582090"/>
+              <a:ext cx="1262199" cy="8009709"/>
+            </a:xfrm>
+            <a:prstGeom prst="rect">
+              <a:avLst/>
+            </a:prstGeom>
+            <a:noFill/>
+            <a:ln w="63500">
+              <a:solidFill>
+                <a:schemeClr val="tx1"/>
+              </a:solidFill>
+            </a:ln>
+          </p:spPr>
+          <p:style>
+            <a:lnRef idx="2">
+              <a:schemeClr val="accent1">
+                <a:shade val="50000"/>
+              </a:schemeClr>
+            </a:lnRef>
+            <a:fillRef idx="1">
+              <a:schemeClr val="accent1"/>
+            </a:fillRef>
+            <a:effectRef idx="0">
+              <a:schemeClr val="accent1"/>
+            </a:effectRef>
+            <a:fontRef idx="minor">
+              <a:schemeClr val="lt1"/>
+            </a:fontRef>
+          </p:style>
+          <p:txBody>
+            <a:bodyPr vert="vert270" rtlCol="0" anchor="ctr"/>
+            <a:lstStyle/>
+            <a:p>
+              <a:pPr algn="ctr"/>
+              <a:r>
+                <a:rPr lang="en-US" sz="6000" b="1" dirty="0" err="1">
+                  <a:solidFill>
+                    <a:schemeClr val="tx1"/>
+                  </a:solidFill>
+                  <a:latin typeface="Microsoft JhengHei UI" panose="020B0604030504040204" pitchFamily="34" charset="-120"/>
+                  <a:ea typeface="Microsoft JhengHei UI" panose="020B0604030504040204" pitchFamily="34" charset="-120"/>
+                </a:rPr>
+                <a:t>Positive_ALT</a:t>
+              </a:r>
+              <a:endParaRPr lang="en-US" sz="6000" b="1" dirty="0">
+                <a:solidFill>
+                  <a:schemeClr val="tx1"/>
+                </a:solidFill>
+                <a:latin typeface="Microsoft JhengHei UI" panose="020B0604030504040204" pitchFamily="34" charset="-120"/>
+                <a:ea typeface="Microsoft JhengHei UI" panose="020B0604030504040204" pitchFamily="34" charset="-120"/>
+              </a:endParaRPr>
+            </a:p>
+          </p:txBody>
+        </p:sp>
+        <p:sp>
+          <p:nvSpPr>
+            <p:cNvPr id="33" name="Rectangle 32">
+              <a:extLst>
+                <a:ext uri="{FF2B5EF4-FFF2-40B4-BE49-F238E27FC236}">
+                  <a16:creationId xmlns:a16="http://schemas.microsoft.com/office/drawing/2014/main" id="{0D73B0D2-6595-FA4A-9405-996D933A89EB}"/>
+                </a:ext>
+              </a:extLst>
+            </p:cNvPr>
+            <p:cNvSpPr/>
+            <p:nvPr/>
+          </p:nvSpPr>
+          <p:spPr>
+            <a:xfrm>
+              <a:off x="23770047" y="2582090"/>
+              <a:ext cx="16420011" cy="8009709"/>
+            </a:xfrm>
+            <a:prstGeom prst="rect">
+              <a:avLst/>
+            </a:prstGeom>
+            <a:noFill/>
+            <a:ln w="63500">
+              <a:solidFill>
+                <a:schemeClr val="tx1"/>
+              </a:solidFill>
+            </a:ln>
+          </p:spPr>
+          <p:style>
+            <a:lnRef idx="2">
+              <a:schemeClr val="accent1">
+                <a:shade val="50000"/>
+              </a:schemeClr>
+            </a:lnRef>
+            <a:fillRef idx="1">
+              <a:schemeClr val="accent1"/>
+            </a:fillRef>
+            <a:effectRef idx="0">
+              <a:schemeClr val="accent1"/>
+            </a:effectRef>
+            <a:fontRef idx="minor">
+              <a:schemeClr val="lt1"/>
+            </a:fontRef>
+          </p:style>
+          <p:txBody>
+            <a:bodyPr rtlCol="0" anchor="ctr"/>
+            <a:lstStyle/>
+            <a:p>
+              <a:pPr algn="ctr"/>
+              <a:endParaRPr lang="en-US"/>
+            </a:p>
+          </p:txBody>
+        </p:sp>
+        <p:sp>
+          <p:nvSpPr>
+            <p:cNvPr id="34" name="Rectangle 33">
+              <a:extLst>
+                <a:ext uri="{FF2B5EF4-FFF2-40B4-BE49-F238E27FC236}">
+                  <a16:creationId xmlns:a16="http://schemas.microsoft.com/office/drawing/2014/main" id="{DBD5A47C-9B59-34D7-82AF-E5525C8708EB}"/>
+                </a:ext>
+              </a:extLst>
+            </p:cNvPr>
+            <p:cNvSpPr/>
+            <p:nvPr/>
+          </p:nvSpPr>
+          <p:spPr>
+            <a:xfrm>
+              <a:off x="6690089" y="2582090"/>
+              <a:ext cx="16420011" cy="8009709"/>
+            </a:xfrm>
+            <a:prstGeom prst="rect">
+              <a:avLst/>
+            </a:prstGeom>
+            <a:noFill/>
+            <a:ln w="63500">
+              <a:solidFill>
+                <a:schemeClr val="tx1"/>
+              </a:solidFill>
+            </a:ln>
+          </p:spPr>
+          <p:style>
+            <a:lnRef idx="2">
+              <a:schemeClr val="accent1">
+                <a:shade val="50000"/>
+              </a:schemeClr>
+            </a:lnRef>
+            <a:fillRef idx="1">
+              <a:schemeClr val="accent1"/>
+            </a:fillRef>
+            <a:effectRef idx="0">
+              <a:schemeClr val="accent1"/>
+            </a:effectRef>
+            <a:fontRef idx="minor">
+              <a:schemeClr val="lt1"/>
+            </a:fontRef>
+          </p:style>
+          <p:txBody>
+            <a:bodyPr rtlCol="0" anchor="ctr"/>
+            <a:lstStyle/>
+            <a:p>
+              <a:pPr algn="ctr"/>
+              <a:endParaRPr lang="en-US" dirty="0"/>
+            </a:p>
+          </p:txBody>
+        </p:sp>
+      </p:grpSp>
+      <p:grpSp>
+        <p:nvGrpSpPr>
+          <p:cNvPr id="35" name="Group 34">
+            <a:extLst>
+              <a:ext uri="{FF2B5EF4-FFF2-40B4-BE49-F238E27FC236}">
+                <a16:creationId xmlns:a16="http://schemas.microsoft.com/office/drawing/2014/main" id="{F8D6D886-4E17-34E1-9497-6B8A0BC51CF4}"/>
+              </a:ext>
+            </a:extLst>
+          </p:cNvPr>
+          <p:cNvGrpSpPr/>
+          <p:nvPr/>
+        </p:nvGrpSpPr>
+        <p:grpSpPr>
+          <a:xfrm>
+            <a:off x="5427890" y="19206086"/>
+            <a:ext cx="34762168" cy="8009709"/>
+            <a:chOff x="5427890" y="2582090"/>
+            <a:chExt cx="34762168" cy="8009709"/>
+          </a:xfrm>
+        </p:grpSpPr>
+        <p:sp>
+          <p:nvSpPr>
+            <p:cNvPr id="36" name="Rectangle 35">
+              <a:extLst>
+                <a:ext uri="{FF2B5EF4-FFF2-40B4-BE49-F238E27FC236}">
+                  <a16:creationId xmlns:a16="http://schemas.microsoft.com/office/drawing/2014/main" id="{F310B7B1-B6DA-059F-C0C0-810BB3344203}"/>
+                </a:ext>
+              </a:extLst>
+            </p:cNvPr>
+            <p:cNvSpPr/>
+            <p:nvPr/>
+          </p:nvSpPr>
+          <p:spPr>
+            <a:xfrm>
+              <a:off x="5427890" y="2582090"/>
+              <a:ext cx="1262199" cy="8009709"/>
+            </a:xfrm>
+            <a:prstGeom prst="rect">
+              <a:avLst/>
+            </a:prstGeom>
+            <a:noFill/>
+            <a:ln w="63500">
+              <a:solidFill>
+                <a:schemeClr val="tx1"/>
+              </a:solidFill>
+            </a:ln>
+          </p:spPr>
+          <p:style>
+            <a:lnRef idx="2">
+              <a:schemeClr val="accent1">
+                <a:shade val="50000"/>
+              </a:schemeClr>
+            </a:lnRef>
+            <a:fillRef idx="1">
+              <a:schemeClr val="accent1"/>
+            </a:fillRef>
+            <a:effectRef idx="0">
+              <a:schemeClr val="accent1"/>
+            </a:effectRef>
+            <a:fontRef idx="minor">
+              <a:schemeClr val="lt1"/>
+            </a:fontRef>
+          </p:style>
+          <p:txBody>
+            <a:bodyPr vert="vert270" rtlCol="0" anchor="ctr"/>
+            <a:lstStyle/>
+            <a:p>
+              <a:pPr algn="ctr"/>
+              <a:r>
+                <a:rPr lang="en-US" sz="6000" b="1" dirty="0">
+                  <a:solidFill>
+                    <a:schemeClr val="tx1"/>
+                  </a:solidFill>
+                  <a:latin typeface="Microsoft JhengHei UI" panose="020B0604030504040204" pitchFamily="34" charset="-120"/>
+                  <a:ea typeface="Microsoft JhengHei UI" panose="020B0604030504040204" pitchFamily="34" charset="-120"/>
+                </a:rPr>
+                <a:t>Negative_1</a:t>
+              </a:r>
+            </a:p>
+          </p:txBody>
+        </p:sp>
+        <p:sp>
+          <p:nvSpPr>
+            <p:cNvPr id="37" name="Rectangle 36">
+              <a:extLst>
+                <a:ext uri="{FF2B5EF4-FFF2-40B4-BE49-F238E27FC236}">
+                  <a16:creationId xmlns:a16="http://schemas.microsoft.com/office/drawing/2014/main" id="{69DA2DA1-6953-5897-E8A2-5294842B1D33}"/>
+                </a:ext>
+              </a:extLst>
+            </p:cNvPr>
+            <p:cNvSpPr/>
+            <p:nvPr/>
+          </p:nvSpPr>
+          <p:spPr>
+            <a:xfrm>
+              <a:off x="23770047" y="2582090"/>
+              <a:ext cx="16420011" cy="8009709"/>
+            </a:xfrm>
+            <a:prstGeom prst="rect">
+              <a:avLst/>
+            </a:prstGeom>
+            <a:noFill/>
+            <a:ln w="63500">
+              <a:solidFill>
+                <a:schemeClr val="tx1"/>
+              </a:solidFill>
+            </a:ln>
+          </p:spPr>
+          <p:style>
+            <a:lnRef idx="2">
+              <a:schemeClr val="accent1">
+                <a:shade val="50000"/>
+              </a:schemeClr>
+            </a:lnRef>
+            <a:fillRef idx="1">
+              <a:schemeClr val="accent1"/>
+            </a:fillRef>
+            <a:effectRef idx="0">
+              <a:schemeClr val="accent1"/>
+            </a:effectRef>
+            <a:fontRef idx="minor">
+              <a:schemeClr val="lt1"/>
+            </a:fontRef>
+          </p:style>
+          <p:txBody>
+            <a:bodyPr rtlCol="0" anchor="ctr"/>
+            <a:lstStyle/>
+            <a:p>
+              <a:pPr algn="ctr"/>
+              <a:endParaRPr lang="en-US"/>
+            </a:p>
+          </p:txBody>
+        </p:sp>
+        <p:sp>
+          <p:nvSpPr>
+            <p:cNvPr id="38" name="Rectangle 37">
+              <a:extLst>
+                <a:ext uri="{FF2B5EF4-FFF2-40B4-BE49-F238E27FC236}">
+                  <a16:creationId xmlns:a16="http://schemas.microsoft.com/office/drawing/2014/main" id="{CA042615-2013-8FBF-4892-FBB24306E779}"/>
+                </a:ext>
+              </a:extLst>
+            </p:cNvPr>
+            <p:cNvSpPr/>
+            <p:nvPr/>
+          </p:nvSpPr>
+          <p:spPr>
+            <a:xfrm>
+              <a:off x="6690089" y="2582090"/>
+              <a:ext cx="16420011" cy="8009709"/>
+            </a:xfrm>
+            <a:prstGeom prst="rect">
+              <a:avLst/>
+            </a:prstGeom>
+            <a:noFill/>
+            <a:ln w="63500">
+              <a:solidFill>
+                <a:schemeClr val="tx1"/>
+              </a:solidFill>
+            </a:ln>
+          </p:spPr>
+          <p:style>
+            <a:lnRef idx="2">
+              <a:schemeClr val="accent1">
+                <a:shade val="50000"/>
+              </a:schemeClr>
+            </a:lnRef>
+            <a:fillRef idx="1">
+              <a:schemeClr val="accent1"/>
+            </a:fillRef>
+            <a:effectRef idx="0">
+              <a:schemeClr val="accent1"/>
+            </a:effectRef>
+            <a:fontRef idx="minor">
+              <a:schemeClr val="lt1"/>
+            </a:fontRef>
+          </p:style>
+          <p:txBody>
+            <a:bodyPr rtlCol="0" anchor="ctr"/>
+            <a:lstStyle/>
+            <a:p>
+              <a:pPr algn="ctr"/>
+              <a:endParaRPr lang="en-US" dirty="0"/>
+            </a:p>
+          </p:txBody>
+        </p:sp>
+      </p:grpSp>
+      <p:grpSp>
+        <p:nvGrpSpPr>
+          <p:cNvPr id="39" name="Group 38">
+            <a:extLst>
+              <a:ext uri="{FF2B5EF4-FFF2-40B4-BE49-F238E27FC236}">
+                <a16:creationId xmlns:a16="http://schemas.microsoft.com/office/drawing/2014/main" id="{7210E349-A85D-8576-0B3B-8BA9852858C8}"/>
+              </a:ext>
+            </a:extLst>
+          </p:cNvPr>
+          <p:cNvGrpSpPr/>
+          <p:nvPr/>
+        </p:nvGrpSpPr>
+        <p:grpSpPr>
+          <a:xfrm>
+            <a:off x="5427890" y="27684338"/>
+            <a:ext cx="34762168" cy="8009709"/>
+            <a:chOff x="5427890" y="2582090"/>
+            <a:chExt cx="34762168" cy="8009709"/>
+          </a:xfrm>
+        </p:grpSpPr>
+        <p:sp>
+          <p:nvSpPr>
+            <p:cNvPr id="40" name="Rectangle 39">
+              <a:extLst>
+                <a:ext uri="{FF2B5EF4-FFF2-40B4-BE49-F238E27FC236}">
+                  <a16:creationId xmlns:a16="http://schemas.microsoft.com/office/drawing/2014/main" id="{C7556D46-67C3-06CA-2AC9-5A1570A327BC}"/>
+                </a:ext>
+              </a:extLst>
+            </p:cNvPr>
+            <p:cNvSpPr/>
+            <p:nvPr/>
+          </p:nvSpPr>
+          <p:spPr>
+            <a:xfrm>
+              <a:off x="5427890" y="2582090"/>
+              <a:ext cx="1262199" cy="8009709"/>
+            </a:xfrm>
+            <a:prstGeom prst="rect">
+              <a:avLst/>
+            </a:prstGeom>
+            <a:noFill/>
+            <a:ln w="63500">
+              <a:solidFill>
+                <a:schemeClr val="tx1"/>
+              </a:solidFill>
+            </a:ln>
+          </p:spPr>
+          <p:style>
+            <a:lnRef idx="2">
+              <a:schemeClr val="accent1">
+                <a:shade val="50000"/>
+              </a:schemeClr>
+            </a:lnRef>
+            <a:fillRef idx="1">
+              <a:schemeClr val="accent1"/>
+            </a:fillRef>
+            <a:effectRef idx="0">
+              <a:schemeClr val="accent1"/>
+            </a:effectRef>
+            <a:fontRef idx="minor">
+              <a:schemeClr val="lt1"/>
+            </a:fontRef>
+          </p:style>
+          <p:txBody>
+            <a:bodyPr vert="vert270" rtlCol="0" anchor="ctr"/>
+            <a:lstStyle/>
+            <a:p>
+              <a:pPr algn="ctr"/>
+              <a:r>
+                <a:rPr lang="en-US" sz="6000" b="1" dirty="0" err="1">
+                  <a:solidFill>
+                    <a:schemeClr val="tx1"/>
+                  </a:solidFill>
+                  <a:latin typeface="Microsoft JhengHei UI" panose="020B0604030504040204" pitchFamily="34" charset="-120"/>
+                  <a:ea typeface="Microsoft JhengHei UI" panose="020B0604030504040204" pitchFamily="34" charset="-120"/>
+                </a:rPr>
+                <a:t>Negative_Random</a:t>
+              </a:r>
+              <a:endParaRPr lang="en-US" sz="6000" b="1" dirty="0">
+                <a:solidFill>
+                  <a:schemeClr val="tx1"/>
+                </a:solidFill>
+                <a:latin typeface="Microsoft JhengHei UI" panose="020B0604030504040204" pitchFamily="34" charset="-120"/>
+                <a:ea typeface="Microsoft JhengHei UI" panose="020B0604030504040204" pitchFamily="34" charset="-120"/>
+              </a:endParaRPr>
+            </a:p>
+          </p:txBody>
+        </p:sp>
+        <p:sp>
+          <p:nvSpPr>
+            <p:cNvPr id="41" name="Rectangle 40">
+              <a:extLst>
+                <a:ext uri="{FF2B5EF4-FFF2-40B4-BE49-F238E27FC236}">
+                  <a16:creationId xmlns:a16="http://schemas.microsoft.com/office/drawing/2014/main" id="{613FE003-23B8-E909-E5AE-E0B5307A82EA}"/>
+                </a:ext>
+              </a:extLst>
+            </p:cNvPr>
+            <p:cNvSpPr/>
+            <p:nvPr/>
+          </p:nvSpPr>
+          <p:spPr>
+            <a:xfrm>
+              <a:off x="23770047" y="2582090"/>
+              <a:ext cx="16420011" cy="8009709"/>
+            </a:xfrm>
+            <a:prstGeom prst="rect">
+              <a:avLst/>
+            </a:prstGeom>
+            <a:noFill/>
+            <a:ln w="63500">
+              <a:solidFill>
+                <a:schemeClr val="tx1"/>
+              </a:solidFill>
+            </a:ln>
+          </p:spPr>
+          <p:style>
+            <a:lnRef idx="2">
+              <a:schemeClr val="accent1">
+                <a:shade val="50000"/>
+              </a:schemeClr>
+            </a:lnRef>
+            <a:fillRef idx="1">
+              <a:schemeClr val="accent1"/>
+            </a:fillRef>
+            <a:effectRef idx="0">
+              <a:schemeClr val="accent1"/>
+            </a:effectRef>
+            <a:fontRef idx="minor">
+              <a:schemeClr val="lt1"/>
+            </a:fontRef>
+          </p:style>
+          <p:txBody>
+            <a:bodyPr rtlCol="0" anchor="ctr"/>
+            <a:lstStyle/>
+            <a:p>
+              <a:pPr algn="ctr"/>
+              <a:endParaRPr lang="en-US"/>
+            </a:p>
+          </p:txBody>
+        </p:sp>
+        <p:sp>
+          <p:nvSpPr>
+            <p:cNvPr id="42" name="Rectangle 41">
+              <a:extLst>
+                <a:ext uri="{FF2B5EF4-FFF2-40B4-BE49-F238E27FC236}">
+                  <a16:creationId xmlns:a16="http://schemas.microsoft.com/office/drawing/2014/main" id="{6A88AF16-9AE5-DD02-AB99-511437150621}"/>
+                </a:ext>
+              </a:extLst>
+            </p:cNvPr>
+            <p:cNvSpPr/>
+            <p:nvPr/>
+          </p:nvSpPr>
+          <p:spPr>
+            <a:xfrm>
+              <a:off x="6690089" y="2582090"/>
+              <a:ext cx="16420011" cy="8009709"/>
+            </a:xfrm>
+            <a:prstGeom prst="rect">
+              <a:avLst/>
+            </a:prstGeom>
+            <a:noFill/>
+            <a:ln w="63500">
+              <a:solidFill>
+                <a:schemeClr val="tx1"/>
+              </a:solidFill>
+            </a:ln>
+          </p:spPr>
+          <p:style>
+            <a:lnRef idx="2">
+              <a:schemeClr val="accent1">
+                <a:shade val="50000"/>
+              </a:schemeClr>
+            </a:lnRef>
+            <a:fillRef idx="1">
+              <a:schemeClr val="accent1"/>
+            </a:fillRef>
+            <a:effectRef idx="0">
+              <a:schemeClr val="accent1"/>
+            </a:effectRef>
+            <a:fontRef idx="minor">
+              <a:schemeClr val="lt1"/>
+            </a:fontRef>
+          </p:style>
+          <p:txBody>
+            <a:bodyPr rtlCol="0" anchor="ctr"/>
+            <a:lstStyle/>
+            <a:p>
+              <a:pPr algn="ctr"/>
+              <a:endParaRPr lang="en-US" dirty="0"/>
+            </a:p>
+          </p:txBody>
+        </p:sp>
+      </p:grpSp>
+      <p:sp>
+        <p:nvSpPr>
+          <p:cNvPr id="43" name="TextBox 42">
+            <a:extLst>
+              <a:ext uri="{FF2B5EF4-FFF2-40B4-BE49-F238E27FC236}">
+                <a16:creationId xmlns:a16="http://schemas.microsoft.com/office/drawing/2014/main" id="{5208A82D-BD4B-026F-6B03-EA1E6C210E3E}"/>
+              </a:ext>
+            </a:extLst>
+          </p:cNvPr>
+          <p:cNvSpPr txBox="1"/>
+          <p:nvPr/>
+        </p:nvSpPr>
+        <p:spPr>
+          <a:xfrm>
+            <a:off x="13031634" y="483078"/>
+            <a:ext cx="3736920" cy="1477328"/>
+          </a:xfrm>
+          <a:prstGeom prst="rect">
+            <a:avLst/>
+          </a:prstGeom>
+          <a:noFill/>
+        </p:spPr>
+        <p:txBody>
+          <a:bodyPr wrap="none" rtlCol="0">
+            <a:spAutoFit/>
+          </a:bodyPr>
+          <a:lstStyle/>
+          <a:p>
+            <a:pPr algn="ctr"/>
+            <a:r>
+              <a:rPr lang="en-US" sz="9000" b="1" dirty="0">
+                <a:latin typeface="Microsoft JhengHei UI" panose="020B0604030504040204" pitchFamily="34" charset="-120"/>
+                <a:ea typeface="Microsoft JhengHei UI" panose="020B0604030504040204" pitchFamily="34" charset="-120"/>
+              </a:rPr>
+              <a:t>Donor</a:t>
+            </a:r>
+          </a:p>
+        </p:txBody>
+      </p:sp>
+      <p:sp>
+        <p:nvSpPr>
+          <p:cNvPr id="44" name="TextBox 43">
+            <a:extLst>
+              <a:ext uri="{FF2B5EF4-FFF2-40B4-BE49-F238E27FC236}">
+                <a16:creationId xmlns:a16="http://schemas.microsoft.com/office/drawing/2014/main" id="{2807531B-8A55-400C-5FEA-290A638BEF8D}"/>
+              </a:ext>
+            </a:extLst>
+          </p:cNvPr>
+          <p:cNvSpPr txBox="1"/>
+          <p:nvPr/>
+        </p:nvSpPr>
+        <p:spPr>
+          <a:xfrm>
+            <a:off x="29369371" y="578336"/>
+            <a:ext cx="5221366" cy="1477328"/>
+          </a:xfrm>
+          <a:prstGeom prst="rect">
+            <a:avLst/>
+          </a:prstGeom>
+          <a:noFill/>
+        </p:spPr>
+        <p:txBody>
+          <a:bodyPr wrap="none" rtlCol="0">
+            <a:spAutoFit/>
+          </a:bodyPr>
+          <a:lstStyle/>
+          <a:p>
+            <a:pPr algn="ctr"/>
+            <a:r>
+              <a:rPr lang="en-US" sz="9000" b="1" dirty="0">
+                <a:latin typeface="Microsoft JhengHei UI" panose="020B0604030504040204" pitchFamily="34" charset="-120"/>
+                <a:ea typeface="Microsoft JhengHei UI" panose="020B0604030504040204" pitchFamily="34" charset="-120"/>
+              </a:rPr>
+              <a:t>Acceptor</a:t>
+            </a:r>
+          </a:p>
+        </p:txBody>
+      </p:sp>
+      <p:sp>
+        <p:nvSpPr>
+          <p:cNvPr id="66" name="TextBox 65">
+            <a:extLst>
+              <a:ext uri="{FF2B5EF4-FFF2-40B4-BE49-F238E27FC236}">
+                <a16:creationId xmlns:a16="http://schemas.microsoft.com/office/drawing/2014/main" id="{1F61BAB7-70F4-4A09-2588-51C323C9F5A2}"/>
+              </a:ext>
+            </a:extLst>
+          </p:cNvPr>
+          <p:cNvSpPr txBox="1"/>
+          <p:nvPr/>
+        </p:nvSpPr>
+        <p:spPr>
+          <a:xfrm>
+            <a:off x="4178600" y="10246018"/>
+            <a:ext cx="944489" cy="1938992"/>
+          </a:xfrm>
+          <a:prstGeom prst="rect">
+            <a:avLst/>
+          </a:prstGeom>
+          <a:noFill/>
+        </p:spPr>
+        <p:txBody>
+          <a:bodyPr wrap="square" rtlCol="0">
+            <a:spAutoFit/>
+          </a:bodyPr>
+          <a:lstStyle/>
+          <a:p>
+            <a:r>
+              <a:rPr lang="en-US" sz="12000" b="1" dirty="0"/>
+              <a:t>b</a:t>
+            </a:r>
+          </a:p>
+        </p:txBody>
+      </p:sp>
+      <p:sp>
+        <p:nvSpPr>
+          <p:cNvPr id="67" name="TextBox 66">
+            <a:extLst>
+              <a:ext uri="{FF2B5EF4-FFF2-40B4-BE49-F238E27FC236}">
+                <a16:creationId xmlns:a16="http://schemas.microsoft.com/office/drawing/2014/main" id="{0EBBBA4C-3C21-3AE9-4642-A3FC2C1566BE}"/>
+              </a:ext>
+            </a:extLst>
+          </p:cNvPr>
+          <p:cNvSpPr txBox="1"/>
+          <p:nvPr/>
+        </p:nvSpPr>
+        <p:spPr>
+          <a:xfrm>
+            <a:off x="4192832" y="18663310"/>
+            <a:ext cx="829073" cy="1938992"/>
+          </a:xfrm>
+          <a:prstGeom prst="rect">
+            <a:avLst/>
+          </a:prstGeom>
+          <a:noFill/>
+        </p:spPr>
+        <p:txBody>
+          <a:bodyPr wrap="none" rtlCol="0">
+            <a:spAutoFit/>
+          </a:bodyPr>
+          <a:lstStyle/>
+          <a:p>
+            <a:r>
+              <a:rPr lang="en-US" sz="12000" b="1" dirty="0"/>
+              <a:t>c</a:t>
+            </a:r>
+          </a:p>
+        </p:txBody>
+      </p:sp>
+      <p:sp>
+        <p:nvSpPr>
+          <p:cNvPr id="68" name="TextBox 67">
+            <a:extLst>
+              <a:ext uri="{FF2B5EF4-FFF2-40B4-BE49-F238E27FC236}">
+                <a16:creationId xmlns:a16="http://schemas.microsoft.com/office/drawing/2014/main" id="{97463ECE-9B9B-0003-2C7F-28AE9E6BCDEE}"/>
+              </a:ext>
+            </a:extLst>
+          </p:cNvPr>
+          <p:cNvSpPr txBox="1"/>
+          <p:nvPr/>
+        </p:nvSpPr>
+        <p:spPr>
+          <a:xfrm>
+            <a:off x="4192831" y="27132891"/>
+            <a:ext cx="944489" cy="1938992"/>
+          </a:xfrm>
+          <a:prstGeom prst="rect">
+            <a:avLst/>
+          </a:prstGeom>
+          <a:noFill/>
+        </p:spPr>
+        <p:txBody>
+          <a:bodyPr wrap="square" rtlCol="0">
+            <a:spAutoFit/>
+          </a:bodyPr>
+          <a:lstStyle/>
+          <a:p>
+            <a:r>
+              <a:rPr lang="en-US" sz="12000" b="1" dirty="0"/>
+              <a:t>d</a:t>
             </a:r>
           </a:p>
         </p:txBody>
@@ -3801,7 +5370,7 @@
     </p:spTree>
     <p:extLst>
       <p:ext uri="{BB962C8B-B14F-4D97-AF65-F5344CB8AC3E}">
-        <p14:creationId xmlns:p14="http://schemas.microsoft.com/office/powerpoint/2010/main" val="2001175103"/>
+        <p14:creationId xmlns:p14="http://schemas.microsoft.com/office/powerpoint/2010/main" val="1712413504"/>
       </p:ext>
     </p:extLst>
   </p:cSld>

--- a/Figures/Figure_4/Figure_4.pptx
+++ b/Figures/Figure_4/Figure_4.pptx
@@ -5,11 +5,10 @@
     <p:sldMasterId id="2147483684" r:id="rId1"/>
   </p:sldMasterIdLst>
   <p:notesMasterIdLst>
-    <p:notesMasterId r:id="rId4"/>
+    <p:notesMasterId r:id="rId3"/>
   </p:notesMasterIdLst>
   <p:sldIdLst>
     <p:sldId id="256" r:id="rId2"/>
-    <p:sldId id="257" r:id="rId3"/>
   </p:sldIdLst>
   <p:sldSz cx="50399950" cy="35999738"/>
   <p:notesSz cx="6858000" cy="9144000"/>
@@ -198,7 +197,7 @@
           <a:p>
             <a:fld id="{ABD72DE5-B6EE-E147-A976-7400C289695F}" type="datetimeFigureOut">
               <a:rPr lang="en-US" smtClean="0"/>
-              <a:t>5/4/23</a:t>
+              <a:t>5/20/23</a:t>
             </a:fld>
             <a:endParaRPr lang="en-US"/>
           </a:p>
@@ -554,95 +553,6 @@
 </p:notes>
 </file>
 
-<file path=ppt/notesSlides/notesSlide2.xml><?xml version="1.0" encoding="utf-8"?>
-<p:notes xmlns:a="http://schemas.openxmlformats.org/drawingml/2006/main" xmlns:r="http://schemas.openxmlformats.org/officeDocument/2006/relationships" xmlns:p="http://schemas.openxmlformats.org/presentationml/2006/main">
-  <p:cSld>
-    <p:spTree>
-      <p:nvGrpSpPr>
-        <p:cNvPr id="1" name=""/>
-        <p:cNvGrpSpPr/>
-        <p:nvPr/>
-      </p:nvGrpSpPr>
-      <p:grpSpPr>
-        <a:xfrm>
-          <a:off x="0" y="0"/>
-          <a:ext cx="0" cy="0"/>
-          <a:chOff x="0" y="0"/>
-          <a:chExt cx="0" cy="0"/>
-        </a:xfrm>
-      </p:grpSpPr>
-      <p:sp>
-        <p:nvSpPr>
-          <p:cNvPr id="2" name="Slide Image Placeholder 1"/>
-          <p:cNvSpPr>
-            <a:spLocks noGrp="1" noRot="1" noChangeAspect="1"/>
-          </p:cNvSpPr>
-          <p:nvPr>
-            <p:ph type="sldImg"/>
-          </p:nvPr>
-        </p:nvSpPr>
-        <p:spPr>
-          <a:xfrm>
-            <a:off x="1270000" y="1143000"/>
-            <a:ext cx="4318000" cy="3086100"/>
-          </a:xfrm>
-        </p:spPr>
-      </p:sp>
-      <p:sp>
-        <p:nvSpPr>
-          <p:cNvPr id="3" name="Notes Placeholder 2"/>
-          <p:cNvSpPr>
-            <a:spLocks noGrp="1"/>
-          </p:cNvSpPr>
-          <p:nvPr>
-            <p:ph type="body" idx="1"/>
-          </p:nvPr>
-        </p:nvSpPr>
-        <p:spPr/>
-        <p:txBody>
-          <a:bodyPr/>
-          <a:lstStyle/>
-          <a:p>
-            <a:endParaRPr lang="en-US" dirty="0"/>
-          </a:p>
-        </p:txBody>
-      </p:sp>
-      <p:sp>
-        <p:nvSpPr>
-          <p:cNvPr id="4" name="Slide Number Placeholder 3"/>
-          <p:cNvSpPr>
-            <a:spLocks noGrp="1"/>
-          </p:cNvSpPr>
-          <p:nvPr>
-            <p:ph type="sldNum" sz="quarter" idx="5"/>
-          </p:nvPr>
-        </p:nvSpPr>
-        <p:spPr/>
-        <p:txBody>
-          <a:bodyPr/>
-          <a:lstStyle/>
-          <a:p>
-            <a:fld id="{95F117BC-AFF7-1F40-A198-4736DB871B4B}" type="slidenum">
-              <a:rPr lang="en-US" smtClean="0"/>
-              <a:t>2</a:t>
-            </a:fld>
-            <a:endParaRPr lang="en-US"/>
-          </a:p>
-        </p:txBody>
-      </p:sp>
-    </p:spTree>
-    <p:extLst>
-      <p:ext uri="{BB962C8B-B14F-4D97-AF65-F5344CB8AC3E}">
-        <p14:creationId xmlns:p14="http://schemas.microsoft.com/office/powerpoint/2010/main" val="3079091395"/>
-      </p:ext>
-    </p:extLst>
-  </p:cSld>
-  <p:clrMapOvr>
-    <a:masterClrMapping/>
-  </p:clrMapOvr>
-</p:notes>
-</file>
-
 <file path=ppt/slideLayouts/slideLayout1.xml><?xml version="1.0" encoding="utf-8"?>
 <p:sldLayout xmlns:a="http://schemas.openxmlformats.org/drawingml/2006/main" xmlns:r="http://schemas.openxmlformats.org/officeDocument/2006/relationships" xmlns:p="http://schemas.openxmlformats.org/presentationml/2006/main" type="title" preserve="1">
   <p:cSld name="Title Slide">
@@ -774,7 +684,7 @@
           <a:p>
             <a:fld id="{5829EFD3-DAAF-1A4D-98F0-A61E9156FD54}" type="datetimeFigureOut">
               <a:rPr lang="en-US" smtClean="0"/>
-              <a:t>5/4/23</a:t>
+              <a:t>5/20/23</a:t>
             </a:fld>
             <a:endParaRPr lang="en-US"/>
           </a:p>
@@ -944,7 +854,7 @@
           <a:p>
             <a:fld id="{5829EFD3-DAAF-1A4D-98F0-A61E9156FD54}" type="datetimeFigureOut">
               <a:rPr lang="en-US" smtClean="0"/>
-              <a:t>5/4/23</a:t>
+              <a:t>5/20/23</a:t>
             </a:fld>
             <a:endParaRPr lang="en-US"/>
           </a:p>
@@ -1124,7 +1034,7 @@
           <a:p>
             <a:fld id="{5829EFD3-DAAF-1A4D-98F0-A61E9156FD54}" type="datetimeFigureOut">
               <a:rPr lang="en-US" smtClean="0"/>
-              <a:t>5/4/23</a:t>
+              <a:t>5/20/23</a:t>
             </a:fld>
             <a:endParaRPr lang="en-US"/>
           </a:p>
@@ -1294,7 +1204,7 @@
           <a:p>
             <a:fld id="{5829EFD3-DAAF-1A4D-98F0-A61E9156FD54}" type="datetimeFigureOut">
               <a:rPr lang="en-US" smtClean="0"/>
-              <a:t>5/4/23</a:t>
+              <a:t>5/20/23</a:t>
             </a:fld>
             <a:endParaRPr lang="en-US"/>
           </a:p>
@@ -1538,7 +1448,7 @@
           <a:p>
             <a:fld id="{5829EFD3-DAAF-1A4D-98F0-A61E9156FD54}" type="datetimeFigureOut">
               <a:rPr lang="en-US" smtClean="0"/>
-              <a:t>5/4/23</a:t>
+              <a:t>5/20/23</a:t>
             </a:fld>
             <a:endParaRPr lang="en-US"/>
           </a:p>
@@ -1770,7 +1680,7 @@
           <a:p>
             <a:fld id="{5829EFD3-DAAF-1A4D-98F0-A61E9156FD54}" type="datetimeFigureOut">
               <a:rPr lang="en-US" smtClean="0"/>
-              <a:t>5/4/23</a:t>
+              <a:t>5/20/23</a:t>
             </a:fld>
             <a:endParaRPr lang="en-US"/>
           </a:p>
@@ -2137,7 +2047,7 @@
           <a:p>
             <a:fld id="{5829EFD3-DAAF-1A4D-98F0-A61E9156FD54}" type="datetimeFigureOut">
               <a:rPr lang="en-US" smtClean="0"/>
-              <a:t>5/4/23</a:t>
+              <a:t>5/20/23</a:t>
             </a:fld>
             <a:endParaRPr lang="en-US"/>
           </a:p>
@@ -2255,7 +2165,7 @@
           <a:p>
             <a:fld id="{5829EFD3-DAAF-1A4D-98F0-A61E9156FD54}" type="datetimeFigureOut">
               <a:rPr lang="en-US" smtClean="0"/>
-              <a:t>5/4/23</a:t>
+              <a:t>5/20/23</a:t>
             </a:fld>
             <a:endParaRPr lang="en-US"/>
           </a:p>
@@ -2350,7 +2260,7 @@
           <a:p>
             <a:fld id="{5829EFD3-DAAF-1A4D-98F0-A61E9156FD54}" type="datetimeFigureOut">
               <a:rPr lang="en-US" smtClean="0"/>
-              <a:t>5/4/23</a:t>
+              <a:t>5/20/23</a:t>
             </a:fld>
             <a:endParaRPr lang="en-US"/>
           </a:p>
@@ -2627,7 +2537,7 @@
           <a:p>
             <a:fld id="{5829EFD3-DAAF-1A4D-98F0-A61E9156FD54}" type="datetimeFigureOut">
               <a:rPr lang="en-US" smtClean="0"/>
-              <a:t>5/4/23</a:t>
+              <a:t>5/20/23</a:t>
             </a:fld>
             <a:endParaRPr lang="en-US"/>
           </a:p>
@@ -2884,7 +2794,7 @@
           <a:p>
             <a:fld id="{5829EFD3-DAAF-1A4D-98F0-A61E9156FD54}" type="datetimeFigureOut">
               <a:rPr lang="en-US" smtClean="0"/>
-              <a:t>5/4/23</a:t>
+              <a:t>5/20/23</a:t>
             </a:fld>
             <a:endParaRPr lang="en-US"/>
           </a:p>
@@ -3097,7 +3007,7 @@
           <a:p>
             <a:fld id="{5829EFD3-DAAF-1A4D-98F0-A61E9156FD54}" type="datetimeFigureOut">
               <a:rPr lang="en-US" smtClean="0"/>
-              <a:t>5/4/23</a:t>
+              <a:t>5/20/23</a:t>
             </a:fld>
             <a:endParaRPr lang="en-US"/>
           </a:p>
@@ -3504,10 +3414,10 @@
       </p:grpSpPr>
       <p:pic>
         <p:nvPicPr>
-          <p:cNvPr id="23" name="Picture 22" descr="Table&#10;&#10;Description automatically generated with medium confidence">
+          <p:cNvPr id="3" name="Picture 2" descr="A picture containing text, plot, line, diagram&#10;&#10;Description automatically generated">
             <a:extLst>
               <a:ext uri="{FF2B5EF4-FFF2-40B4-BE49-F238E27FC236}">
-                <a16:creationId xmlns:a16="http://schemas.microsoft.com/office/drawing/2014/main" id="{A529161A-E5F0-FC41-B044-075C6677891F}"/>
+                <a16:creationId xmlns:a16="http://schemas.microsoft.com/office/drawing/2014/main" id="{E5C720C4-67A4-C316-B670-469AF1C201FF}"/>
               </a:ext>
             </a:extLst>
           </p:cNvPr>
@@ -3524,7 +3434,7 @@
         </p:blipFill>
         <p:spPr>
           <a:xfrm>
-            <a:off x="23744772" y="2249582"/>
+            <a:off x="19591447" y="13643739"/>
             <a:ext cx="16445286" cy="10963524"/>
           </a:xfrm>
           <a:prstGeom prst="rect">
@@ -3534,10 +3444,10 @@
       </p:pic>
       <p:pic>
         <p:nvPicPr>
-          <p:cNvPr id="25" name="Picture 24" descr="Chart&#10;&#10;Description automatically generated">
+          <p:cNvPr id="5" name="Picture 4" descr="A picture containing text, plot, line, diagram&#10;&#10;Description automatically generated">
             <a:extLst>
               <a:ext uri="{FF2B5EF4-FFF2-40B4-BE49-F238E27FC236}">
-                <a16:creationId xmlns:a16="http://schemas.microsoft.com/office/drawing/2014/main" id="{23CC7B00-A44A-E78E-1364-F58FEBF46EAC}"/>
+                <a16:creationId xmlns:a16="http://schemas.microsoft.com/office/drawing/2014/main" id="{39EFDE2B-97E1-960D-3833-10233821A27D}"/>
               </a:ext>
             </a:extLst>
           </p:cNvPr>
@@ -3554,7 +3464,7 @@
         </p:blipFill>
         <p:spPr>
           <a:xfrm>
-            <a:off x="23744772" y="14333877"/>
+            <a:off x="2448427" y="13643739"/>
             <a:ext cx="16445286" cy="10963524"/>
           </a:xfrm>
           <a:prstGeom prst="rect">
@@ -3564,10 +3474,10 @@
       </p:pic>
       <p:pic>
         <p:nvPicPr>
-          <p:cNvPr id="27" name="Picture 26" descr="Chart&#10;&#10;Description automatically generated">
+          <p:cNvPr id="7" name="Picture 6" descr="A picture containing text, plot, line, diagram&#10;&#10;Description automatically generated">
             <a:extLst>
               <a:ext uri="{FF2B5EF4-FFF2-40B4-BE49-F238E27FC236}">
-                <a16:creationId xmlns:a16="http://schemas.microsoft.com/office/drawing/2014/main" id="{638C9140-8B84-3B22-684E-2A0BBD43C64D}"/>
+                <a16:creationId xmlns:a16="http://schemas.microsoft.com/office/drawing/2014/main" id="{810E5B79-D655-C933-32D9-3A70432315C7}"/>
               </a:ext>
             </a:extLst>
           </p:cNvPr>
@@ -3584,7 +3494,7 @@
         </p:blipFill>
         <p:spPr>
           <a:xfrm>
-            <a:off x="6607576" y="14333877"/>
+            <a:off x="19542363" y="1729576"/>
             <a:ext cx="16445286" cy="10963524"/>
           </a:xfrm>
           <a:prstGeom prst="rect">
@@ -3594,10 +3504,10 @@
       </p:pic>
       <p:pic>
         <p:nvPicPr>
-          <p:cNvPr id="45" name="Picture 44" descr="Chart, scatter chart&#10;&#10;Description automatically generated">
+          <p:cNvPr id="9" name="Picture 8" descr="A picture containing text, line, plot, diagram&#10;&#10;Description automatically generated">
             <a:extLst>
               <a:ext uri="{FF2B5EF4-FFF2-40B4-BE49-F238E27FC236}">
-                <a16:creationId xmlns:a16="http://schemas.microsoft.com/office/drawing/2014/main" id="{96253E72-C179-3538-7420-15C091C687ED}"/>
+                <a16:creationId xmlns:a16="http://schemas.microsoft.com/office/drawing/2014/main" id="{B0ADC965-CED2-2919-432C-E2A71F390A4D}"/>
               </a:ext>
             </a:extLst>
           </p:cNvPr>
@@ -3614,7 +3524,7 @@
         </p:blipFill>
         <p:spPr>
           <a:xfrm>
-            <a:off x="6636195" y="2249582"/>
+            <a:off x="2448427" y="1729576"/>
             <a:ext cx="16445286" cy="10963524"/>
           </a:xfrm>
           <a:prstGeom prst="rect">
@@ -3636,7 +3546,7 @@
         </p:nvSpPr>
         <p:spPr>
           <a:xfrm>
-            <a:off x="4178601" y="1654517"/>
+            <a:off x="1" y="1076846"/>
             <a:ext cx="944489" cy="1938992"/>
           </a:xfrm>
           <a:prstGeom prst="rect">
@@ -3671,7 +3581,7 @@
         </p:nvSpPr>
         <p:spPr>
           <a:xfrm>
-            <a:off x="5427890" y="2249582"/>
+            <a:off x="1249290" y="1671911"/>
             <a:ext cx="1262199" cy="10916295"/>
           </a:xfrm>
           <a:prstGeom prst="rect">
@@ -3739,7 +3649,7 @@
         </p:nvSpPr>
         <p:spPr>
           <a:xfrm>
-            <a:off x="23770047" y="2249582"/>
+            <a:off x="19591447" y="1671911"/>
             <a:ext cx="16420011" cy="10916295"/>
           </a:xfrm>
           <a:prstGeom prst="rect">
@@ -3791,7 +3701,7 @@
         </p:nvSpPr>
         <p:spPr>
           <a:xfrm>
-            <a:off x="6690089" y="2249582"/>
+            <a:off x="2511489" y="1671911"/>
             <a:ext cx="16420011" cy="10916295"/>
           </a:xfrm>
           <a:prstGeom prst="rect">
@@ -3843,7 +3753,7 @@
         </p:nvGrpSpPr>
         <p:grpSpPr>
           <a:xfrm>
-            <a:off x="5427890" y="14044701"/>
+            <a:off x="1249290" y="13467030"/>
             <a:ext cx="34762168" cy="10963524"/>
             <a:chOff x="5427890" y="2582090"/>
             <a:chExt cx="34762168" cy="8009709"/>
@@ -4036,7 +3946,7 @@
         </p:nvSpPr>
         <p:spPr>
           <a:xfrm>
-            <a:off x="13031634" y="483078"/>
+            <a:off x="8853034" y="-94593"/>
             <a:ext cx="3736920" cy="1477328"/>
           </a:xfrm>
           <a:prstGeom prst="rect">
@@ -4075,7 +3985,7 @@
         </p:nvSpPr>
         <p:spPr>
           <a:xfrm>
-            <a:off x="29369371" y="578336"/>
+            <a:off x="25190771" y="665"/>
             <a:ext cx="5221366" cy="1477328"/>
           </a:xfrm>
           <a:prstGeom prst="rect">
@@ -4114,7 +4024,7 @@
         </p:nvSpPr>
         <p:spPr>
           <a:xfrm>
-            <a:off x="4178600" y="13562885"/>
+            <a:off x="0" y="12985214"/>
             <a:ext cx="944489" cy="1938992"/>
           </a:xfrm>
           <a:prstGeom prst="rect">
@@ -4139,1238 +4049,6 @@
     <p:extLst>
       <p:ext uri="{BB962C8B-B14F-4D97-AF65-F5344CB8AC3E}">
         <p14:creationId xmlns:p14="http://schemas.microsoft.com/office/powerpoint/2010/main" val="2001175103"/>
-      </p:ext>
-    </p:extLst>
-  </p:cSld>
-  <p:clrMapOvr>
-    <a:masterClrMapping/>
-  </p:clrMapOvr>
-</p:sld>
-</file>
-
-<file path=ppt/slides/slide2.xml><?xml version="1.0" encoding="utf-8"?>
-<p:sld xmlns:a="http://schemas.openxmlformats.org/drawingml/2006/main" xmlns:r="http://schemas.openxmlformats.org/officeDocument/2006/relationships" xmlns:p="http://schemas.openxmlformats.org/presentationml/2006/main">
-  <p:cSld>
-    <p:spTree>
-      <p:nvGrpSpPr>
-        <p:cNvPr id="1" name=""/>
-        <p:cNvGrpSpPr/>
-        <p:nvPr/>
-      </p:nvGrpSpPr>
-      <p:grpSpPr>
-        <a:xfrm>
-          <a:off x="0" y="0"/>
-          <a:ext cx="0" cy="0"/>
-          <a:chOff x="0" y="0"/>
-          <a:chExt cx="0" cy="0"/>
-        </a:xfrm>
-      </p:grpSpPr>
-      <p:pic>
-        <p:nvPicPr>
-          <p:cNvPr id="3" name="Picture 2" descr="Table&#10;&#10;Description automatically generated">
-            <a:extLst>
-              <a:ext uri="{FF2B5EF4-FFF2-40B4-BE49-F238E27FC236}">
-                <a16:creationId xmlns:a16="http://schemas.microsoft.com/office/drawing/2014/main" id="{917DDB18-C657-1916-F7FD-862C3EEE1146}"/>
-              </a:ext>
-            </a:extLst>
-          </p:cNvPr>
-          <p:cNvPicPr>
-            <a:picLocks noChangeAspect="1"/>
-          </p:cNvPicPr>
-          <p:nvPr/>
-        </p:nvPicPr>
-        <p:blipFill>
-          <a:blip r:embed="rId3"/>
-          <a:stretch>
-            <a:fillRect/>
-          </a:stretch>
-        </p:blipFill>
-        <p:spPr>
-          <a:xfrm>
-            <a:off x="23556688" y="2098189"/>
-            <a:ext cx="16692469" cy="8346235"/>
-          </a:xfrm>
-          <a:prstGeom prst="rect">
-            <a:avLst/>
-          </a:prstGeom>
-        </p:spPr>
-      </p:pic>
-      <p:pic>
-        <p:nvPicPr>
-          <p:cNvPr id="7" name="Picture 6" descr="Chart&#10;&#10;Description automatically generated">
-            <a:extLst>
-              <a:ext uri="{FF2B5EF4-FFF2-40B4-BE49-F238E27FC236}">
-                <a16:creationId xmlns:a16="http://schemas.microsoft.com/office/drawing/2014/main" id="{ACEB81AB-45C6-8382-AEE4-DB94492675CB}"/>
-              </a:ext>
-            </a:extLst>
-          </p:cNvPr>
-          <p:cNvPicPr>
-            <a:picLocks noChangeAspect="1"/>
-          </p:cNvPicPr>
-          <p:nvPr/>
-        </p:nvPicPr>
-        <p:blipFill>
-          <a:blip r:embed="rId4"/>
-          <a:stretch>
-            <a:fillRect/>
-          </a:stretch>
-        </p:blipFill>
-        <p:spPr>
-          <a:xfrm>
-            <a:off x="23556688" y="10575839"/>
-            <a:ext cx="16692469" cy="8346235"/>
-          </a:xfrm>
-          <a:prstGeom prst="rect">
-            <a:avLst/>
-          </a:prstGeom>
-        </p:spPr>
-      </p:pic>
-      <p:pic>
-        <p:nvPicPr>
-          <p:cNvPr id="11" name="Picture 10" descr="Chart&#10;&#10;Description automatically generated with low confidence">
-            <a:extLst>
-              <a:ext uri="{FF2B5EF4-FFF2-40B4-BE49-F238E27FC236}">
-                <a16:creationId xmlns:a16="http://schemas.microsoft.com/office/drawing/2014/main" id="{07CA24A8-9976-049A-9624-DD98F5E1C308}"/>
-              </a:ext>
-            </a:extLst>
-          </p:cNvPr>
-          <p:cNvPicPr>
-            <a:picLocks noChangeAspect="1"/>
-          </p:cNvPicPr>
-          <p:nvPr/>
-        </p:nvPicPr>
-        <p:blipFill>
-          <a:blip r:embed="rId5"/>
-          <a:stretch>
-            <a:fillRect/>
-          </a:stretch>
-        </p:blipFill>
-        <p:spPr>
-          <a:xfrm>
-            <a:off x="23556687" y="19078398"/>
-            <a:ext cx="16692469" cy="8346235"/>
-          </a:xfrm>
-          <a:prstGeom prst="rect">
-            <a:avLst/>
-          </a:prstGeom>
-        </p:spPr>
-      </p:pic>
-      <p:pic>
-        <p:nvPicPr>
-          <p:cNvPr id="16" name="Picture 15" descr="Table&#10;&#10;Description automatically generated with medium confidence">
-            <a:extLst>
-              <a:ext uri="{FF2B5EF4-FFF2-40B4-BE49-F238E27FC236}">
-                <a16:creationId xmlns:a16="http://schemas.microsoft.com/office/drawing/2014/main" id="{04B5AA41-95CA-99D5-28E5-39651E685BF2}"/>
-              </a:ext>
-            </a:extLst>
-          </p:cNvPr>
-          <p:cNvPicPr>
-            <a:picLocks noChangeAspect="1"/>
-          </p:cNvPicPr>
-          <p:nvPr/>
-        </p:nvPicPr>
-        <p:blipFill>
-          <a:blip r:embed="rId6"/>
-          <a:stretch>
-            <a:fillRect/>
-          </a:stretch>
-        </p:blipFill>
-        <p:spPr>
-          <a:xfrm>
-            <a:off x="23556687" y="27516072"/>
-            <a:ext cx="16692469" cy="8346235"/>
-          </a:xfrm>
-          <a:prstGeom prst="rect">
-            <a:avLst/>
-          </a:prstGeom>
-        </p:spPr>
-      </p:pic>
-      <p:pic>
-        <p:nvPicPr>
-          <p:cNvPr id="5" name="Picture 4" descr="Chart&#10;&#10;Description automatically generated">
-            <a:extLst>
-              <a:ext uri="{FF2B5EF4-FFF2-40B4-BE49-F238E27FC236}">
-                <a16:creationId xmlns:a16="http://schemas.microsoft.com/office/drawing/2014/main" id="{DE362162-1758-EADC-7B99-F8E8D670CD32}"/>
-              </a:ext>
-            </a:extLst>
-          </p:cNvPr>
-          <p:cNvPicPr>
-            <a:picLocks noChangeAspect="1"/>
-          </p:cNvPicPr>
-          <p:nvPr/>
-        </p:nvPicPr>
-        <p:blipFill>
-          <a:blip r:embed="rId7"/>
-          <a:stretch>
-            <a:fillRect/>
-          </a:stretch>
-        </p:blipFill>
-        <p:spPr>
-          <a:xfrm>
-            <a:off x="6448111" y="2098190"/>
-            <a:ext cx="16692469" cy="8346235"/>
-          </a:xfrm>
-          <a:prstGeom prst="rect">
-            <a:avLst/>
-          </a:prstGeom>
-        </p:spPr>
-      </p:pic>
-      <p:pic>
-        <p:nvPicPr>
-          <p:cNvPr id="9" name="Picture 8" descr="Chart&#10;&#10;Description automatically generated">
-            <a:extLst>
-              <a:ext uri="{FF2B5EF4-FFF2-40B4-BE49-F238E27FC236}">
-                <a16:creationId xmlns:a16="http://schemas.microsoft.com/office/drawing/2014/main" id="{E29EB3E2-36C3-40E2-A3C7-5D38FC56FE74}"/>
-              </a:ext>
-            </a:extLst>
-          </p:cNvPr>
-          <p:cNvPicPr>
-            <a:picLocks noChangeAspect="1"/>
-          </p:cNvPicPr>
-          <p:nvPr/>
-        </p:nvPicPr>
-        <p:blipFill>
-          <a:blip r:embed="rId8"/>
-          <a:stretch>
-            <a:fillRect/>
-          </a:stretch>
-        </p:blipFill>
-        <p:spPr>
-          <a:xfrm>
-            <a:off x="6448114" y="10575840"/>
-            <a:ext cx="16692469" cy="8346235"/>
-          </a:xfrm>
-          <a:prstGeom prst="rect">
-            <a:avLst/>
-          </a:prstGeom>
-        </p:spPr>
-      </p:pic>
-      <p:pic>
-        <p:nvPicPr>
-          <p:cNvPr id="14" name="Picture 13" descr="A picture containing chart&#10;&#10;Description automatically generated">
-            <a:extLst>
-              <a:ext uri="{FF2B5EF4-FFF2-40B4-BE49-F238E27FC236}">
-                <a16:creationId xmlns:a16="http://schemas.microsoft.com/office/drawing/2014/main" id="{D961DA00-4865-15E3-5D17-E88FCEF5CF92}"/>
-              </a:ext>
-            </a:extLst>
-          </p:cNvPr>
-          <p:cNvPicPr>
-            <a:picLocks noChangeAspect="1"/>
-          </p:cNvPicPr>
-          <p:nvPr/>
-        </p:nvPicPr>
-        <p:blipFill>
-          <a:blip r:embed="rId9"/>
-          <a:stretch>
-            <a:fillRect/>
-          </a:stretch>
-        </p:blipFill>
-        <p:spPr>
-          <a:xfrm>
-            <a:off x="6448113" y="19043903"/>
-            <a:ext cx="16692469" cy="8346235"/>
-          </a:xfrm>
-          <a:prstGeom prst="rect">
-            <a:avLst/>
-          </a:prstGeom>
-        </p:spPr>
-      </p:pic>
-      <p:pic>
-        <p:nvPicPr>
-          <p:cNvPr id="21" name="Picture 20" descr="Chart&#10;&#10;Description automatically generated with low confidence">
-            <a:extLst>
-              <a:ext uri="{FF2B5EF4-FFF2-40B4-BE49-F238E27FC236}">
-                <a16:creationId xmlns:a16="http://schemas.microsoft.com/office/drawing/2014/main" id="{24F3555A-3610-D88B-0B23-192EF9498BC4}"/>
-              </a:ext>
-            </a:extLst>
-          </p:cNvPr>
-          <p:cNvPicPr>
-            <a:picLocks noChangeAspect="1"/>
-          </p:cNvPicPr>
-          <p:nvPr/>
-        </p:nvPicPr>
-        <p:blipFill>
-          <a:blip r:embed="rId10"/>
-          <a:stretch>
-            <a:fillRect/>
-          </a:stretch>
-        </p:blipFill>
-        <p:spPr>
-          <a:xfrm>
-            <a:off x="6448112" y="27516073"/>
-            <a:ext cx="16692469" cy="8346235"/>
-          </a:xfrm>
-          <a:prstGeom prst="rect">
-            <a:avLst/>
-          </a:prstGeom>
-        </p:spPr>
-      </p:pic>
-      <p:sp>
-        <p:nvSpPr>
-          <p:cNvPr id="13" name="TextBox 12">
-            <a:extLst>
-              <a:ext uri="{FF2B5EF4-FFF2-40B4-BE49-F238E27FC236}">
-                <a16:creationId xmlns:a16="http://schemas.microsoft.com/office/drawing/2014/main" id="{39F6D17D-EE6F-26CE-4CE4-126B5907638D}"/>
-              </a:ext>
-            </a:extLst>
-          </p:cNvPr>
-          <p:cNvSpPr txBox="1"/>
-          <p:nvPr/>
-        </p:nvSpPr>
-        <p:spPr>
-          <a:xfrm>
-            <a:off x="4178601" y="1654517"/>
-            <a:ext cx="944489" cy="1938992"/>
-          </a:xfrm>
-          <a:prstGeom prst="rect">
-            <a:avLst/>
-          </a:prstGeom>
-          <a:noFill/>
-        </p:spPr>
-        <p:txBody>
-          <a:bodyPr wrap="none" rtlCol="0">
-            <a:spAutoFit/>
-          </a:bodyPr>
-          <a:lstStyle/>
-          <a:p>
-            <a:r>
-              <a:rPr lang="en-US" sz="12000" b="1" dirty="0"/>
-              <a:t>a</a:t>
-            </a:r>
-          </a:p>
-        </p:txBody>
-      </p:sp>
-      <p:sp>
-        <p:nvSpPr>
-          <p:cNvPr id="17" name="Rectangle 16">
-            <a:extLst>
-              <a:ext uri="{FF2B5EF4-FFF2-40B4-BE49-F238E27FC236}">
-                <a16:creationId xmlns:a16="http://schemas.microsoft.com/office/drawing/2014/main" id="{ACDE5B14-A1B0-C8A3-915D-6A522D1E8F76}"/>
-              </a:ext>
-            </a:extLst>
-          </p:cNvPr>
-          <p:cNvSpPr/>
-          <p:nvPr/>
-        </p:nvSpPr>
-        <p:spPr>
-          <a:xfrm>
-            <a:off x="5427890" y="2249582"/>
-            <a:ext cx="1262199" cy="8009709"/>
-          </a:xfrm>
-          <a:prstGeom prst="rect">
-            <a:avLst/>
-          </a:prstGeom>
-          <a:noFill/>
-          <a:ln w="63500">
-            <a:solidFill>
-              <a:schemeClr val="tx1"/>
-            </a:solidFill>
-          </a:ln>
-        </p:spPr>
-        <p:style>
-          <a:lnRef idx="2">
-            <a:schemeClr val="accent1">
-              <a:shade val="50000"/>
-            </a:schemeClr>
-          </a:lnRef>
-          <a:fillRef idx="1">
-            <a:schemeClr val="accent1"/>
-          </a:fillRef>
-          <a:effectRef idx="0">
-            <a:schemeClr val="accent1"/>
-          </a:effectRef>
-          <a:fontRef idx="minor">
-            <a:schemeClr val="lt1"/>
-          </a:fontRef>
-        </p:style>
-        <p:txBody>
-          <a:bodyPr vert="vert270" rtlCol="0" anchor="ctr"/>
-          <a:lstStyle/>
-          <a:p>
-            <a:pPr algn="ctr"/>
-            <a:r>
-              <a:rPr lang="en-US" sz="6000" b="1" dirty="0" err="1">
-                <a:solidFill>
-                  <a:schemeClr val="tx1"/>
-                </a:solidFill>
-                <a:latin typeface="Microsoft JhengHei UI" panose="020B0604030504040204" pitchFamily="34" charset="-120"/>
-                <a:ea typeface="Microsoft JhengHei UI" panose="020B0604030504040204" pitchFamily="34" charset="-120"/>
-              </a:rPr>
-              <a:t>Positive_MANE</a:t>
-            </a:r>
-            <a:endParaRPr lang="en-US" sz="6000" b="1" dirty="0">
-              <a:solidFill>
-                <a:schemeClr val="tx1"/>
-              </a:solidFill>
-              <a:latin typeface="Microsoft JhengHei UI" panose="020B0604030504040204" pitchFamily="34" charset="-120"/>
-              <a:ea typeface="Microsoft JhengHei UI" panose="020B0604030504040204" pitchFamily="34" charset="-120"/>
-            </a:endParaRPr>
-          </a:p>
-        </p:txBody>
-      </p:sp>
-      <p:sp>
-        <p:nvSpPr>
-          <p:cNvPr id="18" name="Rectangle 17">
-            <a:extLst>
-              <a:ext uri="{FF2B5EF4-FFF2-40B4-BE49-F238E27FC236}">
-                <a16:creationId xmlns:a16="http://schemas.microsoft.com/office/drawing/2014/main" id="{756D40EB-0D67-8398-44AC-9A2F9E3F769A}"/>
-              </a:ext>
-            </a:extLst>
-          </p:cNvPr>
-          <p:cNvSpPr/>
-          <p:nvPr/>
-        </p:nvSpPr>
-        <p:spPr>
-          <a:xfrm>
-            <a:off x="23770047" y="2249582"/>
-            <a:ext cx="16420011" cy="8009709"/>
-          </a:xfrm>
-          <a:prstGeom prst="rect">
-            <a:avLst/>
-          </a:prstGeom>
-          <a:noFill/>
-          <a:ln w="63500">
-            <a:solidFill>
-              <a:schemeClr val="tx1"/>
-            </a:solidFill>
-          </a:ln>
-        </p:spPr>
-        <p:style>
-          <a:lnRef idx="2">
-            <a:schemeClr val="accent1">
-              <a:shade val="50000"/>
-            </a:schemeClr>
-          </a:lnRef>
-          <a:fillRef idx="1">
-            <a:schemeClr val="accent1"/>
-          </a:fillRef>
-          <a:effectRef idx="0">
-            <a:schemeClr val="accent1"/>
-          </a:effectRef>
-          <a:fontRef idx="minor">
-            <a:schemeClr val="lt1"/>
-          </a:fontRef>
-        </p:style>
-        <p:txBody>
-          <a:bodyPr rtlCol="0" anchor="ctr"/>
-          <a:lstStyle/>
-          <a:p>
-            <a:pPr algn="ctr"/>
-            <a:endParaRPr lang="en-US"/>
-          </a:p>
-        </p:txBody>
-      </p:sp>
-      <p:sp>
-        <p:nvSpPr>
-          <p:cNvPr id="19" name="Rectangle 18">
-            <a:extLst>
-              <a:ext uri="{FF2B5EF4-FFF2-40B4-BE49-F238E27FC236}">
-                <a16:creationId xmlns:a16="http://schemas.microsoft.com/office/drawing/2014/main" id="{602FC623-FA0C-0842-A18E-ACA59DDCC9FA}"/>
-              </a:ext>
-            </a:extLst>
-          </p:cNvPr>
-          <p:cNvSpPr/>
-          <p:nvPr/>
-        </p:nvSpPr>
-        <p:spPr>
-          <a:xfrm>
-            <a:off x="6690089" y="2249582"/>
-            <a:ext cx="16420011" cy="8009709"/>
-          </a:xfrm>
-          <a:prstGeom prst="rect">
-            <a:avLst/>
-          </a:prstGeom>
-          <a:noFill/>
-          <a:ln w="63500">
-            <a:solidFill>
-              <a:schemeClr val="tx1"/>
-            </a:solidFill>
-          </a:ln>
-        </p:spPr>
-        <p:style>
-          <a:lnRef idx="2">
-            <a:schemeClr val="accent1">
-              <a:shade val="50000"/>
-            </a:schemeClr>
-          </a:lnRef>
-          <a:fillRef idx="1">
-            <a:schemeClr val="accent1"/>
-          </a:fillRef>
-          <a:effectRef idx="0">
-            <a:schemeClr val="accent1"/>
-          </a:effectRef>
-          <a:fontRef idx="minor">
-            <a:schemeClr val="lt1"/>
-          </a:fontRef>
-        </p:style>
-        <p:txBody>
-          <a:bodyPr rtlCol="0" anchor="ctr"/>
-          <a:lstStyle/>
-          <a:p>
-            <a:pPr algn="ctr"/>
-            <a:endParaRPr lang="en-US" dirty="0"/>
-          </a:p>
-        </p:txBody>
-      </p:sp>
-      <p:grpSp>
-        <p:nvGrpSpPr>
-          <p:cNvPr id="31" name="Group 30">
-            <a:extLst>
-              <a:ext uri="{FF2B5EF4-FFF2-40B4-BE49-F238E27FC236}">
-                <a16:creationId xmlns:a16="http://schemas.microsoft.com/office/drawing/2014/main" id="{10AE9DC3-9EF8-8A31-82E3-AEC77328421E}"/>
-              </a:ext>
-            </a:extLst>
-          </p:cNvPr>
-          <p:cNvGrpSpPr/>
-          <p:nvPr/>
-        </p:nvGrpSpPr>
-        <p:grpSpPr>
-          <a:xfrm>
-            <a:off x="5427890" y="10727834"/>
-            <a:ext cx="34762168" cy="8009709"/>
-            <a:chOff x="5427890" y="2582090"/>
-            <a:chExt cx="34762168" cy="8009709"/>
-          </a:xfrm>
-        </p:grpSpPr>
-        <p:sp>
-          <p:nvSpPr>
-            <p:cNvPr id="32" name="Rectangle 31">
-              <a:extLst>
-                <a:ext uri="{FF2B5EF4-FFF2-40B4-BE49-F238E27FC236}">
-                  <a16:creationId xmlns:a16="http://schemas.microsoft.com/office/drawing/2014/main" id="{73CCFC7B-47EE-8BD4-2037-6847CC44B733}"/>
-                </a:ext>
-              </a:extLst>
-            </p:cNvPr>
-            <p:cNvSpPr/>
-            <p:nvPr/>
-          </p:nvSpPr>
-          <p:spPr>
-            <a:xfrm>
-              <a:off x="5427890" y="2582090"/>
-              <a:ext cx="1262199" cy="8009709"/>
-            </a:xfrm>
-            <a:prstGeom prst="rect">
-              <a:avLst/>
-            </a:prstGeom>
-            <a:noFill/>
-            <a:ln w="63500">
-              <a:solidFill>
-                <a:schemeClr val="tx1"/>
-              </a:solidFill>
-            </a:ln>
-          </p:spPr>
-          <p:style>
-            <a:lnRef idx="2">
-              <a:schemeClr val="accent1">
-                <a:shade val="50000"/>
-              </a:schemeClr>
-            </a:lnRef>
-            <a:fillRef idx="1">
-              <a:schemeClr val="accent1"/>
-            </a:fillRef>
-            <a:effectRef idx="0">
-              <a:schemeClr val="accent1"/>
-            </a:effectRef>
-            <a:fontRef idx="minor">
-              <a:schemeClr val="lt1"/>
-            </a:fontRef>
-          </p:style>
-          <p:txBody>
-            <a:bodyPr vert="vert270" rtlCol="0" anchor="ctr"/>
-            <a:lstStyle/>
-            <a:p>
-              <a:pPr algn="ctr"/>
-              <a:r>
-                <a:rPr lang="en-US" sz="6000" b="1" dirty="0" err="1">
-                  <a:solidFill>
-                    <a:schemeClr val="tx1"/>
-                  </a:solidFill>
-                  <a:latin typeface="Microsoft JhengHei UI" panose="020B0604030504040204" pitchFamily="34" charset="-120"/>
-                  <a:ea typeface="Microsoft JhengHei UI" panose="020B0604030504040204" pitchFamily="34" charset="-120"/>
-                </a:rPr>
-                <a:t>Positive_ALT</a:t>
-              </a:r>
-              <a:endParaRPr lang="en-US" sz="6000" b="1" dirty="0">
-                <a:solidFill>
-                  <a:schemeClr val="tx1"/>
-                </a:solidFill>
-                <a:latin typeface="Microsoft JhengHei UI" panose="020B0604030504040204" pitchFamily="34" charset="-120"/>
-                <a:ea typeface="Microsoft JhengHei UI" panose="020B0604030504040204" pitchFamily="34" charset="-120"/>
-              </a:endParaRPr>
-            </a:p>
-          </p:txBody>
-        </p:sp>
-        <p:sp>
-          <p:nvSpPr>
-            <p:cNvPr id="33" name="Rectangle 32">
-              <a:extLst>
-                <a:ext uri="{FF2B5EF4-FFF2-40B4-BE49-F238E27FC236}">
-                  <a16:creationId xmlns:a16="http://schemas.microsoft.com/office/drawing/2014/main" id="{0D73B0D2-6595-FA4A-9405-996D933A89EB}"/>
-                </a:ext>
-              </a:extLst>
-            </p:cNvPr>
-            <p:cNvSpPr/>
-            <p:nvPr/>
-          </p:nvSpPr>
-          <p:spPr>
-            <a:xfrm>
-              <a:off x="23770047" y="2582090"/>
-              <a:ext cx="16420011" cy="8009709"/>
-            </a:xfrm>
-            <a:prstGeom prst="rect">
-              <a:avLst/>
-            </a:prstGeom>
-            <a:noFill/>
-            <a:ln w="63500">
-              <a:solidFill>
-                <a:schemeClr val="tx1"/>
-              </a:solidFill>
-            </a:ln>
-          </p:spPr>
-          <p:style>
-            <a:lnRef idx="2">
-              <a:schemeClr val="accent1">
-                <a:shade val="50000"/>
-              </a:schemeClr>
-            </a:lnRef>
-            <a:fillRef idx="1">
-              <a:schemeClr val="accent1"/>
-            </a:fillRef>
-            <a:effectRef idx="0">
-              <a:schemeClr val="accent1"/>
-            </a:effectRef>
-            <a:fontRef idx="minor">
-              <a:schemeClr val="lt1"/>
-            </a:fontRef>
-          </p:style>
-          <p:txBody>
-            <a:bodyPr rtlCol="0" anchor="ctr"/>
-            <a:lstStyle/>
-            <a:p>
-              <a:pPr algn="ctr"/>
-              <a:endParaRPr lang="en-US"/>
-            </a:p>
-          </p:txBody>
-        </p:sp>
-        <p:sp>
-          <p:nvSpPr>
-            <p:cNvPr id="34" name="Rectangle 33">
-              <a:extLst>
-                <a:ext uri="{FF2B5EF4-FFF2-40B4-BE49-F238E27FC236}">
-                  <a16:creationId xmlns:a16="http://schemas.microsoft.com/office/drawing/2014/main" id="{DBD5A47C-9B59-34D7-82AF-E5525C8708EB}"/>
-                </a:ext>
-              </a:extLst>
-            </p:cNvPr>
-            <p:cNvSpPr/>
-            <p:nvPr/>
-          </p:nvSpPr>
-          <p:spPr>
-            <a:xfrm>
-              <a:off x="6690089" y="2582090"/>
-              <a:ext cx="16420011" cy="8009709"/>
-            </a:xfrm>
-            <a:prstGeom prst="rect">
-              <a:avLst/>
-            </a:prstGeom>
-            <a:noFill/>
-            <a:ln w="63500">
-              <a:solidFill>
-                <a:schemeClr val="tx1"/>
-              </a:solidFill>
-            </a:ln>
-          </p:spPr>
-          <p:style>
-            <a:lnRef idx="2">
-              <a:schemeClr val="accent1">
-                <a:shade val="50000"/>
-              </a:schemeClr>
-            </a:lnRef>
-            <a:fillRef idx="1">
-              <a:schemeClr val="accent1"/>
-            </a:fillRef>
-            <a:effectRef idx="0">
-              <a:schemeClr val="accent1"/>
-            </a:effectRef>
-            <a:fontRef idx="minor">
-              <a:schemeClr val="lt1"/>
-            </a:fontRef>
-          </p:style>
-          <p:txBody>
-            <a:bodyPr rtlCol="0" anchor="ctr"/>
-            <a:lstStyle/>
-            <a:p>
-              <a:pPr algn="ctr"/>
-              <a:endParaRPr lang="en-US" dirty="0"/>
-            </a:p>
-          </p:txBody>
-        </p:sp>
-      </p:grpSp>
-      <p:grpSp>
-        <p:nvGrpSpPr>
-          <p:cNvPr id="35" name="Group 34">
-            <a:extLst>
-              <a:ext uri="{FF2B5EF4-FFF2-40B4-BE49-F238E27FC236}">
-                <a16:creationId xmlns:a16="http://schemas.microsoft.com/office/drawing/2014/main" id="{F8D6D886-4E17-34E1-9497-6B8A0BC51CF4}"/>
-              </a:ext>
-            </a:extLst>
-          </p:cNvPr>
-          <p:cNvGrpSpPr/>
-          <p:nvPr/>
-        </p:nvGrpSpPr>
-        <p:grpSpPr>
-          <a:xfrm>
-            <a:off x="5427890" y="19206086"/>
-            <a:ext cx="34762168" cy="8009709"/>
-            <a:chOff x="5427890" y="2582090"/>
-            <a:chExt cx="34762168" cy="8009709"/>
-          </a:xfrm>
-        </p:grpSpPr>
-        <p:sp>
-          <p:nvSpPr>
-            <p:cNvPr id="36" name="Rectangle 35">
-              <a:extLst>
-                <a:ext uri="{FF2B5EF4-FFF2-40B4-BE49-F238E27FC236}">
-                  <a16:creationId xmlns:a16="http://schemas.microsoft.com/office/drawing/2014/main" id="{F310B7B1-B6DA-059F-C0C0-810BB3344203}"/>
-                </a:ext>
-              </a:extLst>
-            </p:cNvPr>
-            <p:cNvSpPr/>
-            <p:nvPr/>
-          </p:nvSpPr>
-          <p:spPr>
-            <a:xfrm>
-              <a:off x="5427890" y="2582090"/>
-              <a:ext cx="1262199" cy="8009709"/>
-            </a:xfrm>
-            <a:prstGeom prst="rect">
-              <a:avLst/>
-            </a:prstGeom>
-            <a:noFill/>
-            <a:ln w="63500">
-              <a:solidFill>
-                <a:schemeClr val="tx1"/>
-              </a:solidFill>
-            </a:ln>
-          </p:spPr>
-          <p:style>
-            <a:lnRef idx="2">
-              <a:schemeClr val="accent1">
-                <a:shade val="50000"/>
-              </a:schemeClr>
-            </a:lnRef>
-            <a:fillRef idx="1">
-              <a:schemeClr val="accent1"/>
-            </a:fillRef>
-            <a:effectRef idx="0">
-              <a:schemeClr val="accent1"/>
-            </a:effectRef>
-            <a:fontRef idx="minor">
-              <a:schemeClr val="lt1"/>
-            </a:fontRef>
-          </p:style>
-          <p:txBody>
-            <a:bodyPr vert="vert270" rtlCol="0" anchor="ctr"/>
-            <a:lstStyle/>
-            <a:p>
-              <a:pPr algn="ctr"/>
-              <a:r>
-                <a:rPr lang="en-US" sz="6000" b="1" dirty="0">
-                  <a:solidFill>
-                    <a:schemeClr val="tx1"/>
-                  </a:solidFill>
-                  <a:latin typeface="Microsoft JhengHei UI" panose="020B0604030504040204" pitchFamily="34" charset="-120"/>
-                  <a:ea typeface="Microsoft JhengHei UI" panose="020B0604030504040204" pitchFamily="34" charset="-120"/>
-                </a:rPr>
-                <a:t>Negative_1</a:t>
-              </a:r>
-            </a:p>
-          </p:txBody>
-        </p:sp>
-        <p:sp>
-          <p:nvSpPr>
-            <p:cNvPr id="37" name="Rectangle 36">
-              <a:extLst>
-                <a:ext uri="{FF2B5EF4-FFF2-40B4-BE49-F238E27FC236}">
-                  <a16:creationId xmlns:a16="http://schemas.microsoft.com/office/drawing/2014/main" id="{69DA2DA1-6953-5897-E8A2-5294842B1D33}"/>
-                </a:ext>
-              </a:extLst>
-            </p:cNvPr>
-            <p:cNvSpPr/>
-            <p:nvPr/>
-          </p:nvSpPr>
-          <p:spPr>
-            <a:xfrm>
-              <a:off x="23770047" y="2582090"/>
-              <a:ext cx="16420011" cy="8009709"/>
-            </a:xfrm>
-            <a:prstGeom prst="rect">
-              <a:avLst/>
-            </a:prstGeom>
-            <a:noFill/>
-            <a:ln w="63500">
-              <a:solidFill>
-                <a:schemeClr val="tx1"/>
-              </a:solidFill>
-            </a:ln>
-          </p:spPr>
-          <p:style>
-            <a:lnRef idx="2">
-              <a:schemeClr val="accent1">
-                <a:shade val="50000"/>
-              </a:schemeClr>
-            </a:lnRef>
-            <a:fillRef idx="1">
-              <a:schemeClr val="accent1"/>
-            </a:fillRef>
-            <a:effectRef idx="0">
-              <a:schemeClr val="accent1"/>
-            </a:effectRef>
-            <a:fontRef idx="minor">
-              <a:schemeClr val="lt1"/>
-            </a:fontRef>
-          </p:style>
-          <p:txBody>
-            <a:bodyPr rtlCol="0" anchor="ctr"/>
-            <a:lstStyle/>
-            <a:p>
-              <a:pPr algn="ctr"/>
-              <a:endParaRPr lang="en-US"/>
-            </a:p>
-          </p:txBody>
-        </p:sp>
-        <p:sp>
-          <p:nvSpPr>
-            <p:cNvPr id="38" name="Rectangle 37">
-              <a:extLst>
-                <a:ext uri="{FF2B5EF4-FFF2-40B4-BE49-F238E27FC236}">
-                  <a16:creationId xmlns:a16="http://schemas.microsoft.com/office/drawing/2014/main" id="{CA042615-2013-8FBF-4892-FBB24306E779}"/>
-                </a:ext>
-              </a:extLst>
-            </p:cNvPr>
-            <p:cNvSpPr/>
-            <p:nvPr/>
-          </p:nvSpPr>
-          <p:spPr>
-            <a:xfrm>
-              <a:off x="6690089" y="2582090"/>
-              <a:ext cx="16420011" cy="8009709"/>
-            </a:xfrm>
-            <a:prstGeom prst="rect">
-              <a:avLst/>
-            </a:prstGeom>
-            <a:noFill/>
-            <a:ln w="63500">
-              <a:solidFill>
-                <a:schemeClr val="tx1"/>
-              </a:solidFill>
-            </a:ln>
-          </p:spPr>
-          <p:style>
-            <a:lnRef idx="2">
-              <a:schemeClr val="accent1">
-                <a:shade val="50000"/>
-              </a:schemeClr>
-            </a:lnRef>
-            <a:fillRef idx="1">
-              <a:schemeClr val="accent1"/>
-            </a:fillRef>
-            <a:effectRef idx="0">
-              <a:schemeClr val="accent1"/>
-            </a:effectRef>
-            <a:fontRef idx="minor">
-              <a:schemeClr val="lt1"/>
-            </a:fontRef>
-          </p:style>
-          <p:txBody>
-            <a:bodyPr rtlCol="0" anchor="ctr"/>
-            <a:lstStyle/>
-            <a:p>
-              <a:pPr algn="ctr"/>
-              <a:endParaRPr lang="en-US" dirty="0"/>
-            </a:p>
-          </p:txBody>
-        </p:sp>
-      </p:grpSp>
-      <p:grpSp>
-        <p:nvGrpSpPr>
-          <p:cNvPr id="39" name="Group 38">
-            <a:extLst>
-              <a:ext uri="{FF2B5EF4-FFF2-40B4-BE49-F238E27FC236}">
-                <a16:creationId xmlns:a16="http://schemas.microsoft.com/office/drawing/2014/main" id="{7210E349-A85D-8576-0B3B-8BA9852858C8}"/>
-              </a:ext>
-            </a:extLst>
-          </p:cNvPr>
-          <p:cNvGrpSpPr/>
-          <p:nvPr/>
-        </p:nvGrpSpPr>
-        <p:grpSpPr>
-          <a:xfrm>
-            <a:off x="5427890" y="27684338"/>
-            <a:ext cx="34762168" cy="8009709"/>
-            <a:chOff x="5427890" y="2582090"/>
-            <a:chExt cx="34762168" cy="8009709"/>
-          </a:xfrm>
-        </p:grpSpPr>
-        <p:sp>
-          <p:nvSpPr>
-            <p:cNvPr id="40" name="Rectangle 39">
-              <a:extLst>
-                <a:ext uri="{FF2B5EF4-FFF2-40B4-BE49-F238E27FC236}">
-                  <a16:creationId xmlns:a16="http://schemas.microsoft.com/office/drawing/2014/main" id="{C7556D46-67C3-06CA-2AC9-5A1570A327BC}"/>
-                </a:ext>
-              </a:extLst>
-            </p:cNvPr>
-            <p:cNvSpPr/>
-            <p:nvPr/>
-          </p:nvSpPr>
-          <p:spPr>
-            <a:xfrm>
-              <a:off x="5427890" y="2582090"/>
-              <a:ext cx="1262199" cy="8009709"/>
-            </a:xfrm>
-            <a:prstGeom prst="rect">
-              <a:avLst/>
-            </a:prstGeom>
-            <a:noFill/>
-            <a:ln w="63500">
-              <a:solidFill>
-                <a:schemeClr val="tx1"/>
-              </a:solidFill>
-            </a:ln>
-          </p:spPr>
-          <p:style>
-            <a:lnRef idx="2">
-              <a:schemeClr val="accent1">
-                <a:shade val="50000"/>
-              </a:schemeClr>
-            </a:lnRef>
-            <a:fillRef idx="1">
-              <a:schemeClr val="accent1"/>
-            </a:fillRef>
-            <a:effectRef idx="0">
-              <a:schemeClr val="accent1"/>
-            </a:effectRef>
-            <a:fontRef idx="minor">
-              <a:schemeClr val="lt1"/>
-            </a:fontRef>
-          </p:style>
-          <p:txBody>
-            <a:bodyPr vert="vert270" rtlCol="0" anchor="ctr"/>
-            <a:lstStyle/>
-            <a:p>
-              <a:pPr algn="ctr"/>
-              <a:r>
-                <a:rPr lang="en-US" sz="6000" b="1" dirty="0" err="1">
-                  <a:solidFill>
-                    <a:schemeClr val="tx1"/>
-                  </a:solidFill>
-                  <a:latin typeface="Microsoft JhengHei UI" panose="020B0604030504040204" pitchFamily="34" charset="-120"/>
-                  <a:ea typeface="Microsoft JhengHei UI" panose="020B0604030504040204" pitchFamily="34" charset="-120"/>
-                </a:rPr>
-                <a:t>Negative_Random</a:t>
-              </a:r>
-              <a:endParaRPr lang="en-US" sz="6000" b="1" dirty="0">
-                <a:solidFill>
-                  <a:schemeClr val="tx1"/>
-                </a:solidFill>
-                <a:latin typeface="Microsoft JhengHei UI" panose="020B0604030504040204" pitchFamily="34" charset="-120"/>
-                <a:ea typeface="Microsoft JhengHei UI" panose="020B0604030504040204" pitchFamily="34" charset="-120"/>
-              </a:endParaRPr>
-            </a:p>
-          </p:txBody>
-        </p:sp>
-        <p:sp>
-          <p:nvSpPr>
-            <p:cNvPr id="41" name="Rectangle 40">
-              <a:extLst>
-                <a:ext uri="{FF2B5EF4-FFF2-40B4-BE49-F238E27FC236}">
-                  <a16:creationId xmlns:a16="http://schemas.microsoft.com/office/drawing/2014/main" id="{613FE003-23B8-E909-E5AE-E0B5307A82EA}"/>
-                </a:ext>
-              </a:extLst>
-            </p:cNvPr>
-            <p:cNvSpPr/>
-            <p:nvPr/>
-          </p:nvSpPr>
-          <p:spPr>
-            <a:xfrm>
-              <a:off x="23770047" y="2582090"/>
-              <a:ext cx="16420011" cy="8009709"/>
-            </a:xfrm>
-            <a:prstGeom prst="rect">
-              <a:avLst/>
-            </a:prstGeom>
-            <a:noFill/>
-            <a:ln w="63500">
-              <a:solidFill>
-                <a:schemeClr val="tx1"/>
-              </a:solidFill>
-            </a:ln>
-          </p:spPr>
-          <p:style>
-            <a:lnRef idx="2">
-              <a:schemeClr val="accent1">
-                <a:shade val="50000"/>
-              </a:schemeClr>
-            </a:lnRef>
-            <a:fillRef idx="1">
-              <a:schemeClr val="accent1"/>
-            </a:fillRef>
-            <a:effectRef idx="0">
-              <a:schemeClr val="accent1"/>
-            </a:effectRef>
-            <a:fontRef idx="minor">
-              <a:schemeClr val="lt1"/>
-            </a:fontRef>
-          </p:style>
-          <p:txBody>
-            <a:bodyPr rtlCol="0" anchor="ctr"/>
-            <a:lstStyle/>
-            <a:p>
-              <a:pPr algn="ctr"/>
-              <a:endParaRPr lang="en-US"/>
-            </a:p>
-          </p:txBody>
-        </p:sp>
-        <p:sp>
-          <p:nvSpPr>
-            <p:cNvPr id="42" name="Rectangle 41">
-              <a:extLst>
-                <a:ext uri="{FF2B5EF4-FFF2-40B4-BE49-F238E27FC236}">
-                  <a16:creationId xmlns:a16="http://schemas.microsoft.com/office/drawing/2014/main" id="{6A88AF16-9AE5-DD02-AB99-511437150621}"/>
-                </a:ext>
-              </a:extLst>
-            </p:cNvPr>
-            <p:cNvSpPr/>
-            <p:nvPr/>
-          </p:nvSpPr>
-          <p:spPr>
-            <a:xfrm>
-              <a:off x="6690089" y="2582090"/>
-              <a:ext cx="16420011" cy="8009709"/>
-            </a:xfrm>
-            <a:prstGeom prst="rect">
-              <a:avLst/>
-            </a:prstGeom>
-            <a:noFill/>
-            <a:ln w="63500">
-              <a:solidFill>
-                <a:schemeClr val="tx1"/>
-              </a:solidFill>
-            </a:ln>
-          </p:spPr>
-          <p:style>
-            <a:lnRef idx="2">
-              <a:schemeClr val="accent1">
-                <a:shade val="50000"/>
-              </a:schemeClr>
-            </a:lnRef>
-            <a:fillRef idx="1">
-              <a:schemeClr val="accent1"/>
-            </a:fillRef>
-            <a:effectRef idx="0">
-              <a:schemeClr val="accent1"/>
-            </a:effectRef>
-            <a:fontRef idx="minor">
-              <a:schemeClr val="lt1"/>
-            </a:fontRef>
-          </p:style>
-          <p:txBody>
-            <a:bodyPr rtlCol="0" anchor="ctr"/>
-            <a:lstStyle/>
-            <a:p>
-              <a:pPr algn="ctr"/>
-              <a:endParaRPr lang="en-US" dirty="0"/>
-            </a:p>
-          </p:txBody>
-        </p:sp>
-      </p:grpSp>
-      <p:sp>
-        <p:nvSpPr>
-          <p:cNvPr id="43" name="TextBox 42">
-            <a:extLst>
-              <a:ext uri="{FF2B5EF4-FFF2-40B4-BE49-F238E27FC236}">
-                <a16:creationId xmlns:a16="http://schemas.microsoft.com/office/drawing/2014/main" id="{5208A82D-BD4B-026F-6B03-EA1E6C210E3E}"/>
-              </a:ext>
-            </a:extLst>
-          </p:cNvPr>
-          <p:cNvSpPr txBox="1"/>
-          <p:nvPr/>
-        </p:nvSpPr>
-        <p:spPr>
-          <a:xfrm>
-            <a:off x="13031634" y="483078"/>
-            <a:ext cx="3736920" cy="1477328"/>
-          </a:xfrm>
-          <a:prstGeom prst="rect">
-            <a:avLst/>
-          </a:prstGeom>
-          <a:noFill/>
-        </p:spPr>
-        <p:txBody>
-          <a:bodyPr wrap="none" rtlCol="0">
-            <a:spAutoFit/>
-          </a:bodyPr>
-          <a:lstStyle/>
-          <a:p>
-            <a:pPr algn="ctr"/>
-            <a:r>
-              <a:rPr lang="en-US" sz="9000" b="1" dirty="0">
-                <a:latin typeface="Microsoft JhengHei UI" panose="020B0604030504040204" pitchFamily="34" charset="-120"/>
-                <a:ea typeface="Microsoft JhengHei UI" panose="020B0604030504040204" pitchFamily="34" charset="-120"/>
-              </a:rPr>
-              <a:t>Donor</a:t>
-            </a:r>
-          </a:p>
-        </p:txBody>
-      </p:sp>
-      <p:sp>
-        <p:nvSpPr>
-          <p:cNvPr id="44" name="TextBox 43">
-            <a:extLst>
-              <a:ext uri="{FF2B5EF4-FFF2-40B4-BE49-F238E27FC236}">
-                <a16:creationId xmlns:a16="http://schemas.microsoft.com/office/drawing/2014/main" id="{2807531B-8A55-400C-5FEA-290A638BEF8D}"/>
-              </a:ext>
-            </a:extLst>
-          </p:cNvPr>
-          <p:cNvSpPr txBox="1"/>
-          <p:nvPr/>
-        </p:nvSpPr>
-        <p:spPr>
-          <a:xfrm>
-            <a:off x="29369371" y="578336"/>
-            <a:ext cx="5221366" cy="1477328"/>
-          </a:xfrm>
-          <a:prstGeom prst="rect">
-            <a:avLst/>
-          </a:prstGeom>
-          <a:noFill/>
-        </p:spPr>
-        <p:txBody>
-          <a:bodyPr wrap="none" rtlCol="0">
-            <a:spAutoFit/>
-          </a:bodyPr>
-          <a:lstStyle/>
-          <a:p>
-            <a:pPr algn="ctr"/>
-            <a:r>
-              <a:rPr lang="en-US" sz="9000" b="1" dirty="0">
-                <a:latin typeface="Microsoft JhengHei UI" panose="020B0604030504040204" pitchFamily="34" charset="-120"/>
-                <a:ea typeface="Microsoft JhengHei UI" panose="020B0604030504040204" pitchFamily="34" charset="-120"/>
-              </a:rPr>
-              <a:t>Acceptor</a:t>
-            </a:r>
-          </a:p>
-        </p:txBody>
-      </p:sp>
-      <p:sp>
-        <p:nvSpPr>
-          <p:cNvPr id="66" name="TextBox 65">
-            <a:extLst>
-              <a:ext uri="{FF2B5EF4-FFF2-40B4-BE49-F238E27FC236}">
-                <a16:creationId xmlns:a16="http://schemas.microsoft.com/office/drawing/2014/main" id="{1F61BAB7-70F4-4A09-2588-51C323C9F5A2}"/>
-              </a:ext>
-            </a:extLst>
-          </p:cNvPr>
-          <p:cNvSpPr txBox="1"/>
-          <p:nvPr/>
-        </p:nvSpPr>
-        <p:spPr>
-          <a:xfrm>
-            <a:off x="4178600" y="10246018"/>
-            <a:ext cx="944489" cy="1938992"/>
-          </a:xfrm>
-          <a:prstGeom prst="rect">
-            <a:avLst/>
-          </a:prstGeom>
-          <a:noFill/>
-        </p:spPr>
-        <p:txBody>
-          <a:bodyPr wrap="square" rtlCol="0">
-            <a:spAutoFit/>
-          </a:bodyPr>
-          <a:lstStyle/>
-          <a:p>
-            <a:r>
-              <a:rPr lang="en-US" sz="12000" b="1" dirty="0"/>
-              <a:t>b</a:t>
-            </a:r>
-          </a:p>
-        </p:txBody>
-      </p:sp>
-      <p:sp>
-        <p:nvSpPr>
-          <p:cNvPr id="67" name="TextBox 66">
-            <a:extLst>
-              <a:ext uri="{FF2B5EF4-FFF2-40B4-BE49-F238E27FC236}">
-                <a16:creationId xmlns:a16="http://schemas.microsoft.com/office/drawing/2014/main" id="{0EBBBA4C-3C21-3AE9-4642-A3FC2C1566BE}"/>
-              </a:ext>
-            </a:extLst>
-          </p:cNvPr>
-          <p:cNvSpPr txBox="1"/>
-          <p:nvPr/>
-        </p:nvSpPr>
-        <p:spPr>
-          <a:xfrm>
-            <a:off x="4192832" y="18663310"/>
-            <a:ext cx="829073" cy="1938992"/>
-          </a:xfrm>
-          <a:prstGeom prst="rect">
-            <a:avLst/>
-          </a:prstGeom>
-          <a:noFill/>
-        </p:spPr>
-        <p:txBody>
-          <a:bodyPr wrap="none" rtlCol="0">
-            <a:spAutoFit/>
-          </a:bodyPr>
-          <a:lstStyle/>
-          <a:p>
-            <a:r>
-              <a:rPr lang="en-US" sz="12000" b="1" dirty="0"/>
-              <a:t>c</a:t>
-            </a:r>
-          </a:p>
-        </p:txBody>
-      </p:sp>
-      <p:sp>
-        <p:nvSpPr>
-          <p:cNvPr id="68" name="TextBox 67">
-            <a:extLst>
-              <a:ext uri="{FF2B5EF4-FFF2-40B4-BE49-F238E27FC236}">
-                <a16:creationId xmlns:a16="http://schemas.microsoft.com/office/drawing/2014/main" id="{97463ECE-9B9B-0003-2C7F-28AE9E6BCDEE}"/>
-              </a:ext>
-            </a:extLst>
-          </p:cNvPr>
-          <p:cNvSpPr txBox="1"/>
-          <p:nvPr/>
-        </p:nvSpPr>
-        <p:spPr>
-          <a:xfrm>
-            <a:off x="4192831" y="27132891"/>
-            <a:ext cx="944489" cy="1938992"/>
-          </a:xfrm>
-          <a:prstGeom prst="rect">
-            <a:avLst/>
-          </a:prstGeom>
-          <a:noFill/>
-        </p:spPr>
-        <p:txBody>
-          <a:bodyPr wrap="square" rtlCol="0">
-            <a:spAutoFit/>
-          </a:bodyPr>
-          <a:lstStyle/>
-          <a:p>
-            <a:r>
-              <a:rPr lang="en-US" sz="12000" b="1" dirty="0"/>
-              <a:t>d</a:t>
-            </a:r>
-          </a:p>
-        </p:txBody>
-      </p:sp>
-    </p:spTree>
-    <p:extLst>
-      <p:ext uri="{BB962C8B-B14F-4D97-AF65-F5344CB8AC3E}">
-        <p14:creationId xmlns:p14="http://schemas.microsoft.com/office/powerpoint/2010/main" val="1712413504"/>
       </p:ext>
     </p:extLst>
   </p:cSld>
